--- a/imgs/semantic_gap.pptx
+++ b/imgs/semantic_gap.pptx
@@ -2,12 +2,12 @@
 <file path=ppt/presentation.xml><?xml version="1.0" encoding="utf-8"?>
 <p:presentation xmlns:a="http://schemas.openxmlformats.org/drawingml/2006/main" xmlns:r="http://schemas.openxmlformats.org/officeDocument/2006/relationships" xmlns:p="http://schemas.openxmlformats.org/presentationml/2006/main" saveSubsetFonts="1">
   <p:sldMasterIdLst>
-    <p:sldMasterId id="2147483672" r:id="rId1"/>
+    <p:sldMasterId id="2147483696" r:id="rId1"/>
   </p:sldMasterIdLst>
   <p:sldIdLst>
     <p:sldId id="256" r:id="rId2"/>
   </p:sldIdLst>
-  <p:sldSz cx="14935200" cy="3200400"/>
+  <p:sldSz cx="15849600" cy="2468563"/>
   <p:notesSz cx="6858000" cy="9144000"/>
   <p:defaultTextStyle>
     <a:defPPr>
@@ -104,6 +104,11 @@
       </a:defRPr>
     </a:lvl9pPr>
   </p:defaultTextStyle>
+  <p:extLst>
+    <p:ext uri="{EFAFB233-063F-42B5-8137-9DF3F51BA10A}">
+      <p15:sldGuideLst xmlns:p15="http://schemas.microsoft.com/office/powerpoint/2012/main"/>
+    </p:ext>
+  </p:extLst>
 </p:presentation>
 </file>
 
@@ -136,15 +141,15 @@
         </p:nvSpPr>
         <p:spPr>
           <a:xfrm>
-            <a:off x="1866900" y="523770"/>
-            <a:ext cx="11201400" cy="1114213"/>
+            <a:off x="1981200" y="403999"/>
+            <a:ext cx="11887200" cy="859426"/>
           </a:xfrm>
         </p:spPr>
         <p:txBody>
           <a:bodyPr anchor="b"/>
           <a:lstStyle>
             <a:lvl1pPr algn="ctr">
-              <a:defRPr sz="2800"/>
+              <a:defRPr sz="2160"/>
             </a:lvl1pPr>
           </a:lstStyle>
           <a:p>
@@ -168,8 +173,8 @@
         </p:nvSpPr>
         <p:spPr>
           <a:xfrm>
-            <a:off x="1866900" y="1680951"/>
-            <a:ext cx="11201400" cy="772689"/>
+            <a:off x="1981200" y="1296567"/>
+            <a:ext cx="11887200" cy="595998"/>
           </a:xfrm>
         </p:spPr>
         <p:txBody>
@@ -177,39 +182,39 @@
           <a:lstStyle>
             <a:lvl1pPr marL="0" indent="0" algn="ctr">
               <a:buNone/>
-              <a:defRPr sz="1120"/>
+              <a:defRPr sz="864"/>
             </a:lvl1pPr>
-            <a:lvl2pPr marL="213375" indent="0" algn="ctr">
-              <a:buNone/>
-              <a:defRPr sz="933"/>
+            <a:lvl2pPr marL="164592" indent="0" algn="ctr">
+              <a:buNone/>
+              <a:defRPr sz="720"/>
             </a:lvl2pPr>
-            <a:lvl3pPr marL="426750" indent="0" algn="ctr">
-              <a:buNone/>
-              <a:defRPr sz="840"/>
+            <a:lvl3pPr marL="329184" indent="0" algn="ctr">
+              <a:buNone/>
+              <a:defRPr sz="648"/>
             </a:lvl3pPr>
-            <a:lvl4pPr marL="640126" indent="0" algn="ctr">
-              <a:buNone/>
-              <a:defRPr sz="747"/>
+            <a:lvl4pPr marL="493776" indent="0" algn="ctr">
+              <a:buNone/>
+              <a:defRPr sz="576"/>
             </a:lvl4pPr>
-            <a:lvl5pPr marL="853501" indent="0" algn="ctr">
-              <a:buNone/>
-              <a:defRPr sz="747"/>
+            <a:lvl5pPr marL="658368" indent="0" algn="ctr">
+              <a:buNone/>
+              <a:defRPr sz="576"/>
             </a:lvl5pPr>
-            <a:lvl6pPr marL="1066876" indent="0" algn="ctr">
-              <a:buNone/>
-              <a:defRPr sz="747"/>
+            <a:lvl6pPr marL="822960" indent="0" algn="ctr">
+              <a:buNone/>
+              <a:defRPr sz="576"/>
             </a:lvl6pPr>
-            <a:lvl7pPr marL="1280251" indent="0" algn="ctr">
-              <a:buNone/>
-              <a:defRPr sz="747"/>
+            <a:lvl7pPr marL="987552" indent="0" algn="ctr">
+              <a:buNone/>
+              <a:defRPr sz="576"/>
             </a:lvl7pPr>
-            <a:lvl8pPr marL="1493627" indent="0" algn="ctr">
-              <a:buNone/>
-              <a:defRPr sz="747"/>
+            <a:lvl8pPr marL="1152144" indent="0" algn="ctr">
+              <a:buNone/>
+              <a:defRPr sz="576"/>
             </a:lvl8pPr>
-            <a:lvl9pPr marL="1707002" indent="0" algn="ctr">
-              <a:buNone/>
-              <a:defRPr sz="747"/>
+            <a:lvl9pPr marL="1316736" indent="0" algn="ctr">
+              <a:buNone/>
+              <a:defRPr sz="576"/>
             </a:lvl9pPr>
           </a:lstStyle>
           <a:p>
@@ -289,7 +294,7 @@
     </p:spTree>
     <p:extLst>
       <p:ext uri="{BB962C8B-B14F-4D97-AF65-F5344CB8AC3E}">
-        <p14:creationId xmlns:p14="http://schemas.microsoft.com/office/powerpoint/2010/main" val="1032423189"/>
+        <p14:creationId xmlns:p14="http://schemas.microsoft.com/office/powerpoint/2010/main" val="3517185298"/>
       </p:ext>
     </p:extLst>
   </p:cSld>
@@ -459,7 +464,7 @@
     </p:spTree>
     <p:extLst>
       <p:ext uri="{BB962C8B-B14F-4D97-AF65-F5344CB8AC3E}">
-        <p14:creationId xmlns:p14="http://schemas.microsoft.com/office/powerpoint/2010/main" val="4229859185"/>
+        <p14:creationId xmlns:p14="http://schemas.microsoft.com/office/powerpoint/2010/main" val="2014343150"/>
       </p:ext>
     </p:extLst>
   </p:cSld>
@@ -498,8 +503,8 @@
         </p:nvSpPr>
         <p:spPr>
           <a:xfrm>
-            <a:off x="10688002" y="170392"/>
-            <a:ext cx="3220403" cy="2712191"/>
+            <a:off x="11342370" y="131428"/>
+            <a:ext cx="3417570" cy="2091993"/>
           </a:xfrm>
         </p:spPr>
         <p:txBody>
@@ -526,8 +531,8 @@
         </p:nvSpPr>
         <p:spPr>
           <a:xfrm>
-            <a:off x="1026795" y="170392"/>
-            <a:ext cx="9474518" cy="2712191"/>
+            <a:off x="1089660" y="131428"/>
+            <a:ext cx="10054590" cy="2091993"/>
           </a:xfrm>
         </p:spPr>
         <p:txBody>
@@ -639,7 +644,7 @@
     </p:spTree>
     <p:extLst>
       <p:ext uri="{BB962C8B-B14F-4D97-AF65-F5344CB8AC3E}">
-        <p14:creationId xmlns:p14="http://schemas.microsoft.com/office/powerpoint/2010/main" val="177508331"/>
+        <p14:creationId xmlns:p14="http://schemas.microsoft.com/office/powerpoint/2010/main" val="1662165515"/>
       </p:ext>
     </p:extLst>
   </p:cSld>
@@ -809,7 +814,7 @@
     </p:spTree>
     <p:extLst>
       <p:ext uri="{BB962C8B-B14F-4D97-AF65-F5344CB8AC3E}">
-        <p14:creationId xmlns:p14="http://schemas.microsoft.com/office/powerpoint/2010/main" val="69589700"/>
+        <p14:creationId xmlns:p14="http://schemas.microsoft.com/office/powerpoint/2010/main" val="2772357358"/>
       </p:ext>
     </p:extLst>
   </p:cSld>
@@ -848,15 +853,15 @@
         </p:nvSpPr>
         <p:spPr>
           <a:xfrm>
-            <a:off x="1019016" y="797878"/>
-            <a:ext cx="12881610" cy="1331277"/>
+            <a:off x="1081405" y="615427"/>
+            <a:ext cx="13670280" cy="1026853"/>
           </a:xfrm>
         </p:spPr>
         <p:txBody>
           <a:bodyPr anchor="b"/>
           <a:lstStyle>
             <a:lvl1pPr>
-              <a:defRPr sz="2800"/>
+              <a:defRPr sz="2160"/>
             </a:lvl1pPr>
           </a:lstStyle>
           <a:p>
@@ -880,8 +885,8 @@
         </p:nvSpPr>
         <p:spPr>
           <a:xfrm>
-            <a:off x="1019016" y="2141750"/>
-            <a:ext cx="12881610" cy="700087"/>
+            <a:off x="1081405" y="1651995"/>
+            <a:ext cx="13670280" cy="539998"/>
           </a:xfrm>
         </p:spPr>
         <p:txBody>
@@ -889,7 +894,7 @@
           <a:lstStyle>
             <a:lvl1pPr marL="0" indent="0">
               <a:buNone/>
-              <a:defRPr sz="1120">
+              <a:defRPr sz="864">
                 <a:solidFill>
                   <a:schemeClr val="tx1">
                     <a:tint val="75000"/>
@@ -897,9 +902,9 @@
                 </a:solidFill>
               </a:defRPr>
             </a:lvl1pPr>
-            <a:lvl2pPr marL="213375" indent="0">
-              <a:buNone/>
-              <a:defRPr sz="933">
+            <a:lvl2pPr marL="164592" indent="0">
+              <a:buNone/>
+              <a:defRPr sz="720">
                 <a:solidFill>
                   <a:schemeClr val="tx1">
                     <a:tint val="75000"/>
@@ -907,9 +912,9 @@
                 </a:solidFill>
               </a:defRPr>
             </a:lvl2pPr>
-            <a:lvl3pPr marL="426750" indent="0">
-              <a:buNone/>
-              <a:defRPr sz="840">
+            <a:lvl3pPr marL="329184" indent="0">
+              <a:buNone/>
+              <a:defRPr sz="648">
                 <a:solidFill>
                   <a:schemeClr val="tx1">
                     <a:tint val="75000"/>
@@ -917,9 +922,9 @@
                 </a:solidFill>
               </a:defRPr>
             </a:lvl3pPr>
-            <a:lvl4pPr marL="640126" indent="0">
-              <a:buNone/>
-              <a:defRPr sz="747">
+            <a:lvl4pPr marL="493776" indent="0">
+              <a:buNone/>
+              <a:defRPr sz="576">
                 <a:solidFill>
                   <a:schemeClr val="tx1">
                     <a:tint val="75000"/>
@@ -927,9 +932,9 @@
                 </a:solidFill>
               </a:defRPr>
             </a:lvl4pPr>
-            <a:lvl5pPr marL="853501" indent="0">
-              <a:buNone/>
-              <a:defRPr sz="747">
+            <a:lvl5pPr marL="658368" indent="0">
+              <a:buNone/>
+              <a:defRPr sz="576">
                 <a:solidFill>
                   <a:schemeClr val="tx1">
                     <a:tint val="75000"/>
@@ -937,9 +942,9 @@
                 </a:solidFill>
               </a:defRPr>
             </a:lvl5pPr>
-            <a:lvl6pPr marL="1066876" indent="0">
-              <a:buNone/>
-              <a:defRPr sz="747">
+            <a:lvl6pPr marL="822960" indent="0">
+              <a:buNone/>
+              <a:defRPr sz="576">
                 <a:solidFill>
                   <a:schemeClr val="tx1">
                     <a:tint val="75000"/>
@@ -947,9 +952,9 @@
                 </a:solidFill>
               </a:defRPr>
             </a:lvl6pPr>
-            <a:lvl7pPr marL="1280251" indent="0">
-              <a:buNone/>
-              <a:defRPr sz="747">
+            <a:lvl7pPr marL="987552" indent="0">
+              <a:buNone/>
+              <a:defRPr sz="576">
                 <a:solidFill>
                   <a:schemeClr val="tx1">
                     <a:tint val="75000"/>
@@ -957,9 +962,9 @@
                 </a:solidFill>
               </a:defRPr>
             </a:lvl7pPr>
-            <a:lvl8pPr marL="1493627" indent="0">
-              <a:buNone/>
-              <a:defRPr sz="747">
+            <a:lvl8pPr marL="1152144" indent="0">
+              <a:buNone/>
+              <a:defRPr sz="576">
                 <a:solidFill>
                   <a:schemeClr val="tx1">
                     <a:tint val="75000"/>
@@ -967,9 +972,9 @@
                 </a:solidFill>
               </a:defRPr>
             </a:lvl8pPr>
-            <a:lvl9pPr marL="1707002" indent="0">
-              <a:buNone/>
-              <a:defRPr sz="747">
+            <a:lvl9pPr marL="1316736" indent="0">
+              <a:buNone/>
+              <a:defRPr sz="576">
                 <a:solidFill>
                   <a:schemeClr val="tx1">
                     <a:tint val="75000"/>
@@ -1055,7 +1060,7 @@
     </p:spTree>
     <p:extLst>
       <p:ext uri="{BB962C8B-B14F-4D97-AF65-F5344CB8AC3E}">
-        <p14:creationId xmlns:p14="http://schemas.microsoft.com/office/powerpoint/2010/main" val="2305644065"/>
+        <p14:creationId xmlns:p14="http://schemas.microsoft.com/office/powerpoint/2010/main" val="3985056049"/>
       </p:ext>
     </p:extLst>
   </p:cSld>
@@ -1117,8 +1122,8 @@
         </p:nvSpPr>
         <p:spPr>
           <a:xfrm>
-            <a:off x="1026795" y="851959"/>
-            <a:ext cx="6347460" cy="2030624"/>
+            <a:off x="1089660" y="657140"/>
+            <a:ext cx="6736080" cy="1566281"/>
           </a:xfrm>
         </p:spPr>
         <p:txBody>
@@ -1174,8 +1179,8 @@
         </p:nvSpPr>
         <p:spPr>
           <a:xfrm>
-            <a:off x="7560945" y="851959"/>
-            <a:ext cx="6347460" cy="2030624"/>
+            <a:off x="8023860" y="657140"/>
+            <a:ext cx="6736080" cy="1566281"/>
           </a:xfrm>
         </p:spPr>
         <p:txBody>
@@ -1287,7 +1292,7 @@
     </p:spTree>
     <p:extLst>
       <p:ext uri="{BB962C8B-B14F-4D97-AF65-F5344CB8AC3E}">
-        <p14:creationId xmlns:p14="http://schemas.microsoft.com/office/powerpoint/2010/main" val="2328492074"/>
+        <p14:creationId xmlns:p14="http://schemas.microsoft.com/office/powerpoint/2010/main" val="1865773050"/>
       </p:ext>
     </p:extLst>
   </p:cSld>
@@ -1326,8 +1331,8 @@
         </p:nvSpPr>
         <p:spPr>
           <a:xfrm>
-            <a:off x="1028740" y="170392"/>
-            <a:ext cx="12881610" cy="618596"/>
+            <a:off x="1091724" y="131429"/>
+            <a:ext cx="13670280" cy="477141"/>
           </a:xfrm>
         </p:spPr>
         <p:txBody>
@@ -1354,8 +1359,8 @@
         </p:nvSpPr>
         <p:spPr>
           <a:xfrm>
-            <a:off x="1028741" y="784543"/>
-            <a:ext cx="6318289" cy="384492"/>
+            <a:off x="1091725" y="605141"/>
+            <a:ext cx="6705123" cy="296570"/>
           </a:xfrm>
         </p:spPr>
         <p:txBody>
@@ -1363,39 +1368,39 @@
           <a:lstStyle>
             <a:lvl1pPr marL="0" indent="0">
               <a:buNone/>
-              <a:defRPr sz="1120" b="1"/>
+              <a:defRPr sz="864" b="1"/>
             </a:lvl1pPr>
-            <a:lvl2pPr marL="213375" indent="0">
-              <a:buNone/>
-              <a:defRPr sz="933" b="1"/>
+            <a:lvl2pPr marL="164592" indent="0">
+              <a:buNone/>
+              <a:defRPr sz="720" b="1"/>
             </a:lvl2pPr>
-            <a:lvl3pPr marL="426750" indent="0">
-              <a:buNone/>
-              <a:defRPr sz="840" b="1"/>
+            <a:lvl3pPr marL="329184" indent="0">
+              <a:buNone/>
+              <a:defRPr sz="648" b="1"/>
             </a:lvl3pPr>
-            <a:lvl4pPr marL="640126" indent="0">
-              <a:buNone/>
-              <a:defRPr sz="747" b="1"/>
+            <a:lvl4pPr marL="493776" indent="0">
+              <a:buNone/>
+              <a:defRPr sz="576" b="1"/>
             </a:lvl4pPr>
-            <a:lvl5pPr marL="853501" indent="0">
-              <a:buNone/>
-              <a:defRPr sz="747" b="1"/>
+            <a:lvl5pPr marL="658368" indent="0">
+              <a:buNone/>
+              <a:defRPr sz="576" b="1"/>
             </a:lvl5pPr>
-            <a:lvl6pPr marL="1066876" indent="0">
-              <a:buNone/>
-              <a:defRPr sz="747" b="1"/>
+            <a:lvl6pPr marL="822960" indent="0">
+              <a:buNone/>
+              <a:defRPr sz="576" b="1"/>
             </a:lvl6pPr>
-            <a:lvl7pPr marL="1280251" indent="0">
-              <a:buNone/>
-              <a:defRPr sz="747" b="1"/>
+            <a:lvl7pPr marL="987552" indent="0">
+              <a:buNone/>
+              <a:defRPr sz="576" b="1"/>
             </a:lvl7pPr>
-            <a:lvl8pPr marL="1493627" indent="0">
-              <a:buNone/>
-              <a:defRPr sz="747" b="1"/>
+            <a:lvl8pPr marL="1152144" indent="0">
+              <a:buNone/>
+              <a:defRPr sz="576" b="1"/>
             </a:lvl8pPr>
-            <a:lvl9pPr marL="1707002" indent="0">
-              <a:buNone/>
-              <a:defRPr sz="747" b="1"/>
+            <a:lvl9pPr marL="1316736" indent="0">
+              <a:buNone/>
+              <a:defRPr sz="576" b="1"/>
             </a:lvl9pPr>
           </a:lstStyle>
           <a:p>
@@ -1419,8 +1424,8 @@
         </p:nvSpPr>
         <p:spPr>
           <a:xfrm>
-            <a:off x="1028741" y="1169035"/>
-            <a:ext cx="6318289" cy="1719474"/>
+            <a:off x="1091725" y="901711"/>
+            <a:ext cx="6705123" cy="1326281"/>
           </a:xfrm>
         </p:spPr>
         <p:txBody>
@@ -1476,8 +1481,8 @@
         </p:nvSpPr>
         <p:spPr>
           <a:xfrm>
-            <a:off x="7560945" y="784543"/>
-            <a:ext cx="6349405" cy="384492"/>
+            <a:off x="8023860" y="605141"/>
+            <a:ext cx="6738144" cy="296570"/>
           </a:xfrm>
         </p:spPr>
         <p:txBody>
@@ -1485,39 +1490,39 @@
           <a:lstStyle>
             <a:lvl1pPr marL="0" indent="0">
               <a:buNone/>
-              <a:defRPr sz="1120" b="1"/>
+              <a:defRPr sz="864" b="1"/>
             </a:lvl1pPr>
-            <a:lvl2pPr marL="213375" indent="0">
-              <a:buNone/>
-              <a:defRPr sz="933" b="1"/>
+            <a:lvl2pPr marL="164592" indent="0">
+              <a:buNone/>
+              <a:defRPr sz="720" b="1"/>
             </a:lvl2pPr>
-            <a:lvl3pPr marL="426750" indent="0">
-              <a:buNone/>
-              <a:defRPr sz="840" b="1"/>
+            <a:lvl3pPr marL="329184" indent="0">
+              <a:buNone/>
+              <a:defRPr sz="648" b="1"/>
             </a:lvl3pPr>
-            <a:lvl4pPr marL="640126" indent="0">
-              <a:buNone/>
-              <a:defRPr sz="747" b="1"/>
+            <a:lvl4pPr marL="493776" indent="0">
+              <a:buNone/>
+              <a:defRPr sz="576" b="1"/>
             </a:lvl4pPr>
-            <a:lvl5pPr marL="853501" indent="0">
-              <a:buNone/>
-              <a:defRPr sz="747" b="1"/>
+            <a:lvl5pPr marL="658368" indent="0">
+              <a:buNone/>
+              <a:defRPr sz="576" b="1"/>
             </a:lvl5pPr>
-            <a:lvl6pPr marL="1066876" indent="0">
-              <a:buNone/>
-              <a:defRPr sz="747" b="1"/>
+            <a:lvl6pPr marL="822960" indent="0">
+              <a:buNone/>
+              <a:defRPr sz="576" b="1"/>
             </a:lvl6pPr>
-            <a:lvl7pPr marL="1280251" indent="0">
-              <a:buNone/>
-              <a:defRPr sz="747" b="1"/>
+            <a:lvl7pPr marL="987552" indent="0">
+              <a:buNone/>
+              <a:defRPr sz="576" b="1"/>
             </a:lvl7pPr>
-            <a:lvl8pPr marL="1493627" indent="0">
-              <a:buNone/>
-              <a:defRPr sz="747" b="1"/>
+            <a:lvl8pPr marL="1152144" indent="0">
+              <a:buNone/>
+              <a:defRPr sz="576" b="1"/>
             </a:lvl8pPr>
-            <a:lvl9pPr marL="1707002" indent="0">
-              <a:buNone/>
-              <a:defRPr sz="747" b="1"/>
+            <a:lvl9pPr marL="1316736" indent="0">
+              <a:buNone/>
+              <a:defRPr sz="576" b="1"/>
             </a:lvl9pPr>
           </a:lstStyle>
           <a:p>
@@ -1541,8 +1546,8 @@
         </p:nvSpPr>
         <p:spPr>
           <a:xfrm>
-            <a:off x="7560945" y="1169035"/>
-            <a:ext cx="6349405" cy="1719474"/>
+            <a:off x="8023860" y="901711"/>
+            <a:ext cx="6738144" cy="1326281"/>
           </a:xfrm>
         </p:spPr>
         <p:txBody>
@@ -1654,7 +1659,7 @@
     </p:spTree>
     <p:extLst>
       <p:ext uri="{BB962C8B-B14F-4D97-AF65-F5344CB8AC3E}">
-        <p14:creationId xmlns:p14="http://schemas.microsoft.com/office/powerpoint/2010/main" val="2155484094"/>
+        <p14:creationId xmlns:p14="http://schemas.microsoft.com/office/powerpoint/2010/main" val="1612928422"/>
       </p:ext>
     </p:extLst>
   </p:cSld>
@@ -1772,7 +1777,7 @@
     </p:spTree>
     <p:extLst>
       <p:ext uri="{BB962C8B-B14F-4D97-AF65-F5344CB8AC3E}">
-        <p14:creationId xmlns:p14="http://schemas.microsoft.com/office/powerpoint/2010/main" val="3863973331"/>
+        <p14:creationId xmlns:p14="http://schemas.microsoft.com/office/powerpoint/2010/main" val="2455430250"/>
       </p:ext>
     </p:extLst>
   </p:cSld>
@@ -1867,7 +1872,7 @@
     </p:spTree>
     <p:extLst>
       <p:ext uri="{BB962C8B-B14F-4D97-AF65-F5344CB8AC3E}">
-        <p14:creationId xmlns:p14="http://schemas.microsoft.com/office/powerpoint/2010/main" val="577703088"/>
+        <p14:creationId xmlns:p14="http://schemas.microsoft.com/office/powerpoint/2010/main" val="56103688"/>
       </p:ext>
     </p:extLst>
   </p:cSld>
@@ -1906,15 +1911,15 @@
         </p:nvSpPr>
         <p:spPr>
           <a:xfrm>
-            <a:off x="1028741" y="213360"/>
-            <a:ext cx="4816990" cy="746760"/>
+            <a:off x="1091725" y="164571"/>
+            <a:ext cx="5111908" cy="575998"/>
           </a:xfrm>
         </p:spPr>
         <p:txBody>
           <a:bodyPr anchor="b"/>
           <a:lstStyle>
             <a:lvl1pPr>
-              <a:defRPr sz="1493"/>
+              <a:defRPr sz="1152"/>
             </a:lvl1pPr>
           </a:lstStyle>
           <a:p>
@@ -1938,39 +1943,39 @@
         </p:nvSpPr>
         <p:spPr>
           <a:xfrm>
-            <a:off x="6349405" y="460799"/>
-            <a:ext cx="7560945" cy="2274358"/>
+            <a:off x="6738144" y="355427"/>
+            <a:ext cx="8023860" cy="1754280"/>
           </a:xfrm>
         </p:spPr>
         <p:txBody>
           <a:bodyPr/>
           <a:lstStyle>
             <a:lvl1pPr>
-              <a:defRPr sz="1493"/>
+              <a:defRPr sz="1152"/>
             </a:lvl1pPr>
             <a:lvl2pPr>
-              <a:defRPr sz="1307"/>
+              <a:defRPr sz="1008"/>
             </a:lvl2pPr>
             <a:lvl3pPr>
-              <a:defRPr sz="1120"/>
+              <a:defRPr sz="864"/>
             </a:lvl3pPr>
             <a:lvl4pPr>
-              <a:defRPr sz="933"/>
+              <a:defRPr sz="720"/>
             </a:lvl4pPr>
             <a:lvl5pPr>
-              <a:defRPr sz="933"/>
+              <a:defRPr sz="720"/>
             </a:lvl5pPr>
             <a:lvl6pPr>
-              <a:defRPr sz="933"/>
+              <a:defRPr sz="720"/>
             </a:lvl6pPr>
             <a:lvl7pPr>
-              <a:defRPr sz="933"/>
+              <a:defRPr sz="720"/>
             </a:lvl7pPr>
             <a:lvl8pPr>
-              <a:defRPr sz="933"/>
+              <a:defRPr sz="720"/>
             </a:lvl8pPr>
             <a:lvl9pPr>
-              <a:defRPr sz="933"/>
+              <a:defRPr sz="720"/>
             </a:lvl9pPr>
           </a:lstStyle>
           <a:p>
@@ -2023,8 +2028,8 @@
         </p:nvSpPr>
         <p:spPr>
           <a:xfrm>
-            <a:off x="1028741" y="960120"/>
-            <a:ext cx="4816990" cy="1778741"/>
+            <a:off x="1091725" y="740569"/>
+            <a:ext cx="5111908" cy="1371995"/>
           </a:xfrm>
         </p:spPr>
         <p:txBody>
@@ -2032,39 +2037,39 @@
           <a:lstStyle>
             <a:lvl1pPr marL="0" indent="0">
               <a:buNone/>
-              <a:defRPr sz="747"/>
+              <a:defRPr sz="576"/>
             </a:lvl1pPr>
-            <a:lvl2pPr marL="213375" indent="0">
-              <a:buNone/>
-              <a:defRPr sz="653"/>
+            <a:lvl2pPr marL="164592" indent="0">
+              <a:buNone/>
+              <a:defRPr sz="504"/>
             </a:lvl2pPr>
-            <a:lvl3pPr marL="426750" indent="0">
-              <a:buNone/>
-              <a:defRPr sz="560"/>
+            <a:lvl3pPr marL="329184" indent="0">
+              <a:buNone/>
+              <a:defRPr sz="432"/>
             </a:lvl3pPr>
-            <a:lvl4pPr marL="640126" indent="0">
-              <a:buNone/>
-              <a:defRPr sz="467"/>
+            <a:lvl4pPr marL="493776" indent="0">
+              <a:buNone/>
+              <a:defRPr sz="360"/>
             </a:lvl4pPr>
-            <a:lvl5pPr marL="853501" indent="0">
-              <a:buNone/>
-              <a:defRPr sz="467"/>
+            <a:lvl5pPr marL="658368" indent="0">
+              <a:buNone/>
+              <a:defRPr sz="360"/>
             </a:lvl5pPr>
-            <a:lvl6pPr marL="1066876" indent="0">
-              <a:buNone/>
-              <a:defRPr sz="467"/>
+            <a:lvl6pPr marL="822960" indent="0">
+              <a:buNone/>
+              <a:defRPr sz="360"/>
             </a:lvl6pPr>
-            <a:lvl7pPr marL="1280251" indent="0">
-              <a:buNone/>
-              <a:defRPr sz="467"/>
+            <a:lvl7pPr marL="987552" indent="0">
+              <a:buNone/>
+              <a:defRPr sz="360"/>
             </a:lvl7pPr>
-            <a:lvl8pPr marL="1493627" indent="0">
-              <a:buNone/>
-              <a:defRPr sz="467"/>
+            <a:lvl8pPr marL="1152144" indent="0">
+              <a:buNone/>
+              <a:defRPr sz="360"/>
             </a:lvl8pPr>
-            <a:lvl9pPr marL="1707002" indent="0">
-              <a:buNone/>
-              <a:defRPr sz="467"/>
+            <a:lvl9pPr marL="1316736" indent="0">
+              <a:buNone/>
+              <a:defRPr sz="360"/>
             </a:lvl9pPr>
           </a:lstStyle>
           <a:p>
@@ -2144,7 +2149,7 @@
     </p:spTree>
     <p:extLst>
       <p:ext uri="{BB962C8B-B14F-4D97-AF65-F5344CB8AC3E}">
-        <p14:creationId xmlns:p14="http://schemas.microsoft.com/office/powerpoint/2010/main" val="1028516324"/>
+        <p14:creationId xmlns:p14="http://schemas.microsoft.com/office/powerpoint/2010/main" val="3556230779"/>
       </p:ext>
     </p:extLst>
   </p:cSld>
@@ -2183,15 +2188,15 @@
         </p:nvSpPr>
         <p:spPr>
           <a:xfrm>
-            <a:off x="1028741" y="213360"/>
-            <a:ext cx="4816990" cy="746760"/>
+            <a:off x="1091725" y="164571"/>
+            <a:ext cx="5111908" cy="575998"/>
           </a:xfrm>
         </p:spPr>
         <p:txBody>
           <a:bodyPr anchor="b"/>
           <a:lstStyle>
             <a:lvl1pPr>
-              <a:defRPr sz="1493"/>
+              <a:defRPr sz="1152"/>
             </a:lvl1pPr>
           </a:lstStyle>
           <a:p>
@@ -2215,8 +2220,8 @@
         </p:nvSpPr>
         <p:spPr>
           <a:xfrm>
-            <a:off x="6349405" y="460799"/>
-            <a:ext cx="7560945" cy="2274358"/>
+            <a:off x="6738144" y="355427"/>
+            <a:ext cx="8023860" cy="1754280"/>
           </a:xfrm>
         </p:spPr>
         <p:txBody>
@@ -2224,39 +2229,39 @@
           <a:lstStyle>
             <a:lvl1pPr marL="0" indent="0">
               <a:buNone/>
-              <a:defRPr sz="1493"/>
+              <a:defRPr sz="1152"/>
             </a:lvl1pPr>
-            <a:lvl2pPr marL="213375" indent="0">
-              <a:buNone/>
-              <a:defRPr sz="1307"/>
+            <a:lvl2pPr marL="164592" indent="0">
+              <a:buNone/>
+              <a:defRPr sz="1008"/>
             </a:lvl2pPr>
-            <a:lvl3pPr marL="426750" indent="0">
-              <a:buNone/>
-              <a:defRPr sz="1120"/>
+            <a:lvl3pPr marL="329184" indent="0">
+              <a:buNone/>
+              <a:defRPr sz="864"/>
             </a:lvl3pPr>
-            <a:lvl4pPr marL="640126" indent="0">
-              <a:buNone/>
-              <a:defRPr sz="933"/>
+            <a:lvl4pPr marL="493776" indent="0">
+              <a:buNone/>
+              <a:defRPr sz="720"/>
             </a:lvl4pPr>
-            <a:lvl5pPr marL="853501" indent="0">
-              <a:buNone/>
-              <a:defRPr sz="933"/>
+            <a:lvl5pPr marL="658368" indent="0">
+              <a:buNone/>
+              <a:defRPr sz="720"/>
             </a:lvl5pPr>
-            <a:lvl6pPr marL="1066876" indent="0">
-              <a:buNone/>
-              <a:defRPr sz="933"/>
+            <a:lvl6pPr marL="822960" indent="0">
+              <a:buNone/>
+              <a:defRPr sz="720"/>
             </a:lvl6pPr>
-            <a:lvl7pPr marL="1280251" indent="0">
-              <a:buNone/>
-              <a:defRPr sz="933"/>
+            <a:lvl7pPr marL="987552" indent="0">
+              <a:buNone/>
+              <a:defRPr sz="720"/>
             </a:lvl7pPr>
-            <a:lvl8pPr marL="1493627" indent="0">
-              <a:buNone/>
-              <a:defRPr sz="933"/>
+            <a:lvl8pPr marL="1152144" indent="0">
+              <a:buNone/>
+              <a:defRPr sz="720"/>
             </a:lvl8pPr>
-            <a:lvl9pPr marL="1707002" indent="0">
-              <a:buNone/>
-              <a:defRPr sz="933"/>
+            <a:lvl9pPr marL="1316736" indent="0">
+              <a:buNone/>
+              <a:defRPr sz="720"/>
             </a:lvl9pPr>
           </a:lstStyle>
           <a:p>
@@ -2280,8 +2285,8 @@
         </p:nvSpPr>
         <p:spPr>
           <a:xfrm>
-            <a:off x="1028741" y="960120"/>
-            <a:ext cx="4816990" cy="1778741"/>
+            <a:off x="1091725" y="740569"/>
+            <a:ext cx="5111908" cy="1371995"/>
           </a:xfrm>
         </p:spPr>
         <p:txBody>
@@ -2289,39 +2294,39 @@
           <a:lstStyle>
             <a:lvl1pPr marL="0" indent="0">
               <a:buNone/>
-              <a:defRPr sz="747"/>
+              <a:defRPr sz="576"/>
             </a:lvl1pPr>
-            <a:lvl2pPr marL="213375" indent="0">
-              <a:buNone/>
-              <a:defRPr sz="653"/>
+            <a:lvl2pPr marL="164592" indent="0">
+              <a:buNone/>
+              <a:defRPr sz="504"/>
             </a:lvl2pPr>
-            <a:lvl3pPr marL="426750" indent="0">
-              <a:buNone/>
-              <a:defRPr sz="560"/>
+            <a:lvl3pPr marL="329184" indent="0">
+              <a:buNone/>
+              <a:defRPr sz="432"/>
             </a:lvl3pPr>
-            <a:lvl4pPr marL="640126" indent="0">
-              <a:buNone/>
-              <a:defRPr sz="467"/>
+            <a:lvl4pPr marL="493776" indent="0">
+              <a:buNone/>
+              <a:defRPr sz="360"/>
             </a:lvl4pPr>
-            <a:lvl5pPr marL="853501" indent="0">
-              <a:buNone/>
-              <a:defRPr sz="467"/>
+            <a:lvl5pPr marL="658368" indent="0">
+              <a:buNone/>
+              <a:defRPr sz="360"/>
             </a:lvl5pPr>
-            <a:lvl6pPr marL="1066876" indent="0">
-              <a:buNone/>
-              <a:defRPr sz="467"/>
+            <a:lvl6pPr marL="822960" indent="0">
+              <a:buNone/>
+              <a:defRPr sz="360"/>
             </a:lvl6pPr>
-            <a:lvl7pPr marL="1280251" indent="0">
-              <a:buNone/>
-              <a:defRPr sz="467"/>
+            <a:lvl7pPr marL="987552" indent="0">
+              <a:buNone/>
+              <a:defRPr sz="360"/>
             </a:lvl7pPr>
-            <a:lvl8pPr marL="1493627" indent="0">
-              <a:buNone/>
-              <a:defRPr sz="467"/>
+            <a:lvl8pPr marL="1152144" indent="0">
+              <a:buNone/>
+              <a:defRPr sz="360"/>
             </a:lvl8pPr>
-            <a:lvl9pPr marL="1707002" indent="0">
-              <a:buNone/>
-              <a:defRPr sz="467"/>
+            <a:lvl9pPr marL="1316736" indent="0">
+              <a:buNone/>
+              <a:defRPr sz="360"/>
             </a:lvl9pPr>
           </a:lstStyle>
           <a:p>
@@ -2401,7 +2406,7 @@
     </p:spTree>
     <p:extLst>
       <p:ext uri="{BB962C8B-B14F-4D97-AF65-F5344CB8AC3E}">
-        <p14:creationId xmlns:p14="http://schemas.microsoft.com/office/powerpoint/2010/main" val="1768742093"/>
+        <p14:creationId xmlns:p14="http://schemas.microsoft.com/office/powerpoint/2010/main" val="1550626860"/>
       </p:ext>
     </p:extLst>
   </p:cSld>
@@ -2445,8 +2450,8 @@
         </p:nvSpPr>
         <p:spPr>
           <a:xfrm>
-            <a:off x="1026795" y="170392"/>
-            <a:ext cx="12881610" cy="618596"/>
+            <a:off x="1089660" y="131429"/>
+            <a:ext cx="13670280" cy="477141"/>
           </a:xfrm>
           <a:prstGeom prst="rect">
             <a:avLst/>
@@ -2478,8 +2483,8 @@
         </p:nvSpPr>
         <p:spPr>
           <a:xfrm>
-            <a:off x="1026795" y="851959"/>
-            <a:ext cx="12881610" cy="2030624"/>
+            <a:off x="1089660" y="657140"/>
+            <a:ext cx="13670280" cy="1566281"/>
           </a:xfrm>
           <a:prstGeom prst="rect">
             <a:avLst/>
@@ -2540,8 +2545,8 @@
         </p:nvSpPr>
         <p:spPr>
           <a:xfrm>
-            <a:off x="1026795" y="2966297"/>
-            <a:ext cx="3360420" cy="170392"/>
+            <a:off x="1089660" y="2287992"/>
+            <a:ext cx="3566160" cy="131428"/>
           </a:xfrm>
           <a:prstGeom prst="rect">
             <a:avLst/>
@@ -2551,7 +2556,7 @@
           <a:bodyPr vert="horz" lIns="91440" tIns="45720" rIns="91440" bIns="45720" rtlCol="0" anchor="ctr"/>
           <a:lstStyle>
             <a:lvl1pPr algn="l">
-              <a:defRPr sz="560">
+              <a:defRPr sz="432">
                 <a:solidFill>
                   <a:schemeClr val="tx1">
                     <a:tint val="75000"/>
@@ -2581,8 +2586,8 @@
         </p:nvSpPr>
         <p:spPr>
           <a:xfrm>
-            <a:off x="4947285" y="2966297"/>
-            <a:ext cx="5040630" cy="170392"/>
+            <a:off x="5250180" y="2287992"/>
+            <a:ext cx="5349240" cy="131428"/>
           </a:xfrm>
           <a:prstGeom prst="rect">
             <a:avLst/>
@@ -2592,7 +2597,7 @@
           <a:bodyPr vert="horz" lIns="91440" tIns="45720" rIns="91440" bIns="45720" rtlCol="0" anchor="ctr"/>
           <a:lstStyle>
             <a:lvl1pPr algn="ctr">
-              <a:defRPr sz="560">
+              <a:defRPr sz="432">
                 <a:solidFill>
                   <a:schemeClr val="tx1">
                     <a:tint val="75000"/>
@@ -2618,8 +2623,8 @@
         </p:nvSpPr>
         <p:spPr>
           <a:xfrm>
-            <a:off x="10547985" y="2966297"/>
-            <a:ext cx="3360420" cy="170392"/>
+            <a:off x="11193780" y="2287992"/>
+            <a:ext cx="3566160" cy="131428"/>
           </a:xfrm>
           <a:prstGeom prst="rect">
             <a:avLst/>
@@ -2629,7 +2634,7 @@
           <a:bodyPr vert="horz" lIns="91440" tIns="45720" rIns="91440" bIns="45720" rtlCol="0" anchor="ctr"/>
           <a:lstStyle>
             <a:lvl1pPr algn="r">
-              <a:defRPr sz="560">
+              <a:defRPr sz="432">
                 <a:solidFill>
                   <a:schemeClr val="tx1">
                     <a:tint val="75000"/>
@@ -2650,27 +2655,27 @@
     </p:spTree>
     <p:extLst>
       <p:ext uri="{BB962C8B-B14F-4D97-AF65-F5344CB8AC3E}">
-        <p14:creationId xmlns:p14="http://schemas.microsoft.com/office/powerpoint/2010/main" val="2221785375"/>
+        <p14:creationId xmlns:p14="http://schemas.microsoft.com/office/powerpoint/2010/main" val="3191570988"/>
       </p:ext>
     </p:extLst>
   </p:cSld>
   <p:clrMap bg1="lt1" tx1="dk1" bg2="lt2" tx2="dk2" accent1="accent1" accent2="accent2" accent3="accent3" accent4="accent4" accent5="accent5" accent6="accent6" hlink="hlink" folHlink="folHlink"/>
   <p:sldLayoutIdLst>
-    <p:sldLayoutId id="2147483673" r:id="rId1"/>
-    <p:sldLayoutId id="2147483674" r:id="rId2"/>
-    <p:sldLayoutId id="2147483675" r:id="rId3"/>
-    <p:sldLayoutId id="2147483676" r:id="rId4"/>
-    <p:sldLayoutId id="2147483677" r:id="rId5"/>
-    <p:sldLayoutId id="2147483678" r:id="rId6"/>
-    <p:sldLayoutId id="2147483679" r:id="rId7"/>
-    <p:sldLayoutId id="2147483680" r:id="rId8"/>
-    <p:sldLayoutId id="2147483681" r:id="rId9"/>
-    <p:sldLayoutId id="2147483682" r:id="rId10"/>
-    <p:sldLayoutId id="2147483683" r:id="rId11"/>
+    <p:sldLayoutId id="2147483697" r:id="rId1"/>
+    <p:sldLayoutId id="2147483698" r:id="rId2"/>
+    <p:sldLayoutId id="2147483699" r:id="rId3"/>
+    <p:sldLayoutId id="2147483700" r:id="rId4"/>
+    <p:sldLayoutId id="2147483701" r:id="rId5"/>
+    <p:sldLayoutId id="2147483702" r:id="rId6"/>
+    <p:sldLayoutId id="2147483703" r:id="rId7"/>
+    <p:sldLayoutId id="2147483704" r:id="rId8"/>
+    <p:sldLayoutId id="2147483705" r:id="rId9"/>
+    <p:sldLayoutId id="2147483706" r:id="rId10"/>
+    <p:sldLayoutId id="2147483707" r:id="rId11"/>
   </p:sldLayoutIdLst>
   <p:txStyles>
     <p:titleStyle>
-      <a:lvl1pPr algn="l" defTabSz="426750" rtl="0" eaLnBrk="1" latinLnBrk="0" hangingPunct="1">
+      <a:lvl1pPr algn="l" defTabSz="329184" rtl="0" eaLnBrk="1" latinLnBrk="0" hangingPunct="1">
         <a:lnSpc>
           <a:spcPct val="90000"/>
         </a:lnSpc>
@@ -2678,7 +2683,7 @@
           <a:spcPct val="0"/>
         </a:spcBef>
         <a:buNone/>
-        <a:defRPr sz="2053" kern="1200">
+        <a:defRPr sz="1584" kern="1200">
           <a:solidFill>
             <a:schemeClr val="tx1"/>
           </a:solidFill>
@@ -2689,16 +2694,16 @@
       </a:lvl1pPr>
     </p:titleStyle>
     <p:bodyStyle>
-      <a:lvl1pPr marL="106688" indent="-106688" algn="l" defTabSz="426750" rtl="0" eaLnBrk="1" latinLnBrk="0" hangingPunct="1">
+      <a:lvl1pPr marL="82296" indent="-82296" algn="l" defTabSz="329184" rtl="0" eaLnBrk="1" latinLnBrk="0" hangingPunct="1">
         <a:lnSpc>
           <a:spcPct val="90000"/>
         </a:lnSpc>
         <a:spcBef>
-          <a:spcPts val="467"/>
+          <a:spcPts val="360"/>
         </a:spcBef>
         <a:buFont typeface="Arial" panose="020B0604020202020204" pitchFamily="34" charset="0"/>
         <a:buChar char="•"/>
-        <a:defRPr sz="1307" kern="1200">
+        <a:defRPr sz="1008" kern="1200">
           <a:solidFill>
             <a:schemeClr val="tx1"/>
           </a:solidFill>
@@ -2707,16 +2712,16 @@
           <a:cs typeface="+mn-cs"/>
         </a:defRPr>
       </a:lvl1pPr>
-      <a:lvl2pPr marL="320063" indent="-106688" algn="l" defTabSz="426750" rtl="0" eaLnBrk="1" latinLnBrk="0" hangingPunct="1">
+      <a:lvl2pPr marL="246888" indent="-82296" algn="l" defTabSz="329184" rtl="0" eaLnBrk="1" latinLnBrk="0" hangingPunct="1">
         <a:lnSpc>
           <a:spcPct val="90000"/>
         </a:lnSpc>
         <a:spcBef>
-          <a:spcPts val="233"/>
+          <a:spcPts val="180"/>
         </a:spcBef>
         <a:buFont typeface="Arial" panose="020B0604020202020204" pitchFamily="34" charset="0"/>
         <a:buChar char="•"/>
-        <a:defRPr sz="1120" kern="1200">
+        <a:defRPr sz="864" kern="1200">
           <a:solidFill>
             <a:schemeClr val="tx1"/>
           </a:solidFill>
@@ -2725,16 +2730,16 @@
           <a:cs typeface="+mn-cs"/>
         </a:defRPr>
       </a:lvl2pPr>
-      <a:lvl3pPr marL="533438" indent="-106688" algn="l" defTabSz="426750" rtl="0" eaLnBrk="1" latinLnBrk="0" hangingPunct="1">
+      <a:lvl3pPr marL="411480" indent="-82296" algn="l" defTabSz="329184" rtl="0" eaLnBrk="1" latinLnBrk="0" hangingPunct="1">
         <a:lnSpc>
           <a:spcPct val="90000"/>
         </a:lnSpc>
         <a:spcBef>
-          <a:spcPts val="233"/>
+          <a:spcPts val="180"/>
         </a:spcBef>
         <a:buFont typeface="Arial" panose="020B0604020202020204" pitchFamily="34" charset="0"/>
         <a:buChar char="•"/>
-        <a:defRPr sz="933" kern="1200">
+        <a:defRPr sz="720" kern="1200">
           <a:solidFill>
             <a:schemeClr val="tx1"/>
           </a:solidFill>
@@ -2743,16 +2748,16 @@
           <a:cs typeface="+mn-cs"/>
         </a:defRPr>
       </a:lvl3pPr>
-      <a:lvl4pPr marL="746813" indent="-106688" algn="l" defTabSz="426750" rtl="0" eaLnBrk="1" latinLnBrk="0" hangingPunct="1">
+      <a:lvl4pPr marL="576072" indent="-82296" algn="l" defTabSz="329184" rtl="0" eaLnBrk="1" latinLnBrk="0" hangingPunct="1">
         <a:lnSpc>
           <a:spcPct val="90000"/>
         </a:lnSpc>
         <a:spcBef>
-          <a:spcPts val="233"/>
+          <a:spcPts val="180"/>
         </a:spcBef>
         <a:buFont typeface="Arial" panose="020B0604020202020204" pitchFamily="34" charset="0"/>
         <a:buChar char="•"/>
-        <a:defRPr sz="840" kern="1200">
+        <a:defRPr sz="648" kern="1200">
           <a:solidFill>
             <a:schemeClr val="tx1"/>
           </a:solidFill>
@@ -2761,16 +2766,16 @@
           <a:cs typeface="+mn-cs"/>
         </a:defRPr>
       </a:lvl4pPr>
-      <a:lvl5pPr marL="960189" indent="-106688" algn="l" defTabSz="426750" rtl="0" eaLnBrk="1" latinLnBrk="0" hangingPunct="1">
+      <a:lvl5pPr marL="740664" indent="-82296" algn="l" defTabSz="329184" rtl="0" eaLnBrk="1" latinLnBrk="0" hangingPunct="1">
         <a:lnSpc>
           <a:spcPct val="90000"/>
         </a:lnSpc>
         <a:spcBef>
-          <a:spcPts val="233"/>
+          <a:spcPts val="180"/>
         </a:spcBef>
         <a:buFont typeface="Arial" panose="020B0604020202020204" pitchFamily="34" charset="0"/>
         <a:buChar char="•"/>
-        <a:defRPr sz="840" kern="1200">
+        <a:defRPr sz="648" kern="1200">
           <a:solidFill>
             <a:schemeClr val="tx1"/>
           </a:solidFill>
@@ -2779,16 +2784,16 @@
           <a:cs typeface="+mn-cs"/>
         </a:defRPr>
       </a:lvl5pPr>
-      <a:lvl6pPr marL="1173564" indent="-106688" algn="l" defTabSz="426750" rtl="0" eaLnBrk="1" latinLnBrk="0" hangingPunct="1">
+      <a:lvl6pPr marL="905256" indent="-82296" algn="l" defTabSz="329184" rtl="0" eaLnBrk="1" latinLnBrk="0" hangingPunct="1">
         <a:lnSpc>
           <a:spcPct val="90000"/>
         </a:lnSpc>
         <a:spcBef>
-          <a:spcPts val="233"/>
+          <a:spcPts val="180"/>
         </a:spcBef>
         <a:buFont typeface="Arial" panose="020B0604020202020204" pitchFamily="34" charset="0"/>
         <a:buChar char="•"/>
-        <a:defRPr sz="840" kern="1200">
+        <a:defRPr sz="648" kern="1200">
           <a:solidFill>
             <a:schemeClr val="tx1"/>
           </a:solidFill>
@@ -2797,16 +2802,16 @@
           <a:cs typeface="+mn-cs"/>
         </a:defRPr>
       </a:lvl6pPr>
-      <a:lvl7pPr marL="1386939" indent="-106688" algn="l" defTabSz="426750" rtl="0" eaLnBrk="1" latinLnBrk="0" hangingPunct="1">
+      <a:lvl7pPr marL="1069848" indent="-82296" algn="l" defTabSz="329184" rtl="0" eaLnBrk="1" latinLnBrk="0" hangingPunct="1">
         <a:lnSpc>
           <a:spcPct val="90000"/>
         </a:lnSpc>
         <a:spcBef>
-          <a:spcPts val="233"/>
+          <a:spcPts val="180"/>
         </a:spcBef>
         <a:buFont typeface="Arial" panose="020B0604020202020204" pitchFamily="34" charset="0"/>
         <a:buChar char="•"/>
-        <a:defRPr sz="840" kern="1200">
+        <a:defRPr sz="648" kern="1200">
           <a:solidFill>
             <a:schemeClr val="tx1"/>
           </a:solidFill>
@@ -2815,16 +2820,16 @@
           <a:cs typeface="+mn-cs"/>
         </a:defRPr>
       </a:lvl7pPr>
-      <a:lvl8pPr marL="1600314" indent="-106688" algn="l" defTabSz="426750" rtl="0" eaLnBrk="1" latinLnBrk="0" hangingPunct="1">
+      <a:lvl8pPr marL="1234440" indent="-82296" algn="l" defTabSz="329184" rtl="0" eaLnBrk="1" latinLnBrk="0" hangingPunct="1">
         <a:lnSpc>
           <a:spcPct val="90000"/>
         </a:lnSpc>
         <a:spcBef>
-          <a:spcPts val="233"/>
+          <a:spcPts val="180"/>
         </a:spcBef>
         <a:buFont typeface="Arial" panose="020B0604020202020204" pitchFamily="34" charset="0"/>
         <a:buChar char="•"/>
-        <a:defRPr sz="840" kern="1200">
+        <a:defRPr sz="648" kern="1200">
           <a:solidFill>
             <a:schemeClr val="tx1"/>
           </a:solidFill>
@@ -2833,16 +2838,16 @@
           <a:cs typeface="+mn-cs"/>
         </a:defRPr>
       </a:lvl8pPr>
-      <a:lvl9pPr marL="1813690" indent="-106688" algn="l" defTabSz="426750" rtl="0" eaLnBrk="1" latinLnBrk="0" hangingPunct="1">
+      <a:lvl9pPr marL="1399032" indent="-82296" algn="l" defTabSz="329184" rtl="0" eaLnBrk="1" latinLnBrk="0" hangingPunct="1">
         <a:lnSpc>
           <a:spcPct val="90000"/>
         </a:lnSpc>
         <a:spcBef>
-          <a:spcPts val="233"/>
+          <a:spcPts val="180"/>
         </a:spcBef>
         <a:buFont typeface="Arial" panose="020B0604020202020204" pitchFamily="34" charset="0"/>
         <a:buChar char="•"/>
-        <a:defRPr sz="840" kern="1200">
+        <a:defRPr sz="648" kern="1200">
           <a:solidFill>
             <a:schemeClr val="tx1"/>
           </a:solidFill>
@@ -2856,8 +2861,8 @@
       <a:defPPr>
         <a:defRPr lang="en-US"/>
       </a:defPPr>
-      <a:lvl1pPr marL="0" algn="l" defTabSz="426750" rtl="0" eaLnBrk="1" latinLnBrk="0" hangingPunct="1">
-        <a:defRPr sz="840" kern="1200">
+      <a:lvl1pPr marL="0" algn="l" defTabSz="329184" rtl="0" eaLnBrk="1" latinLnBrk="0" hangingPunct="1">
+        <a:defRPr sz="648" kern="1200">
           <a:solidFill>
             <a:schemeClr val="tx1"/>
           </a:solidFill>
@@ -2866,8 +2871,8 @@
           <a:cs typeface="+mn-cs"/>
         </a:defRPr>
       </a:lvl1pPr>
-      <a:lvl2pPr marL="213375" algn="l" defTabSz="426750" rtl="0" eaLnBrk="1" latinLnBrk="0" hangingPunct="1">
-        <a:defRPr sz="840" kern="1200">
+      <a:lvl2pPr marL="164592" algn="l" defTabSz="329184" rtl="0" eaLnBrk="1" latinLnBrk="0" hangingPunct="1">
+        <a:defRPr sz="648" kern="1200">
           <a:solidFill>
             <a:schemeClr val="tx1"/>
           </a:solidFill>
@@ -2876,8 +2881,8 @@
           <a:cs typeface="+mn-cs"/>
         </a:defRPr>
       </a:lvl2pPr>
-      <a:lvl3pPr marL="426750" algn="l" defTabSz="426750" rtl="0" eaLnBrk="1" latinLnBrk="0" hangingPunct="1">
-        <a:defRPr sz="840" kern="1200">
+      <a:lvl3pPr marL="329184" algn="l" defTabSz="329184" rtl="0" eaLnBrk="1" latinLnBrk="0" hangingPunct="1">
+        <a:defRPr sz="648" kern="1200">
           <a:solidFill>
             <a:schemeClr val="tx1"/>
           </a:solidFill>
@@ -2886,8 +2891,8 @@
           <a:cs typeface="+mn-cs"/>
         </a:defRPr>
       </a:lvl3pPr>
-      <a:lvl4pPr marL="640126" algn="l" defTabSz="426750" rtl="0" eaLnBrk="1" latinLnBrk="0" hangingPunct="1">
-        <a:defRPr sz="840" kern="1200">
+      <a:lvl4pPr marL="493776" algn="l" defTabSz="329184" rtl="0" eaLnBrk="1" latinLnBrk="0" hangingPunct="1">
+        <a:defRPr sz="648" kern="1200">
           <a:solidFill>
             <a:schemeClr val="tx1"/>
           </a:solidFill>
@@ -2896,8 +2901,8 @@
           <a:cs typeface="+mn-cs"/>
         </a:defRPr>
       </a:lvl4pPr>
-      <a:lvl5pPr marL="853501" algn="l" defTabSz="426750" rtl="0" eaLnBrk="1" latinLnBrk="0" hangingPunct="1">
-        <a:defRPr sz="840" kern="1200">
+      <a:lvl5pPr marL="658368" algn="l" defTabSz="329184" rtl="0" eaLnBrk="1" latinLnBrk="0" hangingPunct="1">
+        <a:defRPr sz="648" kern="1200">
           <a:solidFill>
             <a:schemeClr val="tx1"/>
           </a:solidFill>
@@ -2906,8 +2911,8 @@
           <a:cs typeface="+mn-cs"/>
         </a:defRPr>
       </a:lvl5pPr>
-      <a:lvl6pPr marL="1066876" algn="l" defTabSz="426750" rtl="0" eaLnBrk="1" latinLnBrk="0" hangingPunct="1">
-        <a:defRPr sz="840" kern="1200">
+      <a:lvl6pPr marL="822960" algn="l" defTabSz="329184" rtl="0" eaLnBrk="1" latinLnBrk="0" hangingPunct="1">
+        <a:defRPr sz="648" kern="1200">
           <a:solidFill>
             <a:schemeClr val="tx1"/>
           </a:solidFill>
@@ -2916,8 +2921,8 @@
           <a:cs typeface="+mn-cs"/>
         </a:defRPr>
       </a:lvl6pPr>
-      <a:lvl7pPr marL="1280251" algn="l" defTabSz="426750" rtl="0" eaLnBrk="1" latinLnBrk="0" hangingPunct="1">
-        <a:defRPr sz="840" kern="1200">
+      <a:lvl7pPr marL="987552" algn="l" defTabSz="329184" rtl="0" eaLnBrk="1" latinLnBrk="0" hangingPunct="1">
+        <a:defRPr sz="648" kern="1200">
           <a:solidFill>
             <a:schemeClr val="tx1"/>
           </a:solidFill>
@@ -2926,8 +2931,8 @@
           <a:cs typeface="+mn-cs"/>
         </a:defRPr>
       </a:lvl7pPr>
-      <a:lvl8pPr marL="1493627" algn="l" defTabSz="426750" rtl="0" eaLnBrk="1" latinLnBrk="0" hangingPunct="1">
-        <a:defRPr sz="840" kern="1200">
+      <a:lvl8pPr marL="1152144" algn="l" defTabSz="329184" rtl="0" eaLnBrk="1" latinLnBrk="0" hangingPunct="1">
+        <a:defRPr sz="648" kern="1200">
           <a:solidFill>
             <a:schemeClr val="tx1"/>
           </a:solidFill>
@@ -2936,8 +2941,8 @@
           <a:cs typeface="+mn-cs"/>
         </a:defRPr>
       </a:lvl8pPr>
-      <a:lvl9pPr marL="1707002" algn="l" defTabSz="426750" rtl="0" eaLnBrk="1" latinLnBrk="0" hangingPunct="1">
-        <a:defRPr sz="840" kern="1200">
+      <a:lvl9pPr marL="1316736" algn="l" defTabSz="329184" rtl="0" eaLnBrk="1" latinLnBrk="0" hangingPunct="1">
+        <a:defRPr sz="648" kern="1200">
           <a:solidFill>
             <a:schemeClr val="tx1"/>
           </a:solidFill>
@@ -2970,10 +2975,10 @@
       </p:grpSpPr>
       <p:pic>
         <p:nvPicPr>
-          <p:cNvPr id="7" name="Picture 6" descr="A close up of a logo&#10;&#10;Description automatically generated">
+          <p:cNvPr id="4" name="Picture 3" descr="A close up of a logo&#10;&#10;Description automatically generated">
             <a:extLst>
               <a:ext uri="{FF2B5EF4-FFF2-40B4-BE49-F238E27FC236}">
-                <a16:creationId xmlns:a16="http://schemas.microsoft.com/office/drawing/2014/main" id="{1B28A2E1-505E-48C8-9F09-3023626B5A9B}"/>
+                <a16:creationId xmlns:a16="http://schemas.microsoft.com/office/drawing/2014/main" id="{A4015A08-F873-410E-91B8-E84DA819AE43}"/>
               </a:ext>
             </a:extLst>
           </p:cNvPr>
@@ -2996,8 +3001,8 @@
         </p:blipFill>
         <p:spPr>
           <a:xfrm>
-            <a:off x="1371600" y="188070"/>
-            <a:ext cx="12192000" cy="3064416"/>
+            <a:off x="2413000" y="45830"/>
+            <a:ext cx="10231120" cy="2571556"/>
           </a:xfrm>
           <a:prstGeom prst="rect">
             <a:avLst/>

--- a/imgs/semantic_gap.pptx
+++ b/imgs/semantic_gap.pptx
@@ -2,12 +2,12 @@
 <file path=ppt/presentation.xml><?xml version="1.0" encoding="utf-8"?>
 <p:presentation xmlns:a="http://schemas.openxmlformats.org/drawingml/2006/main" xmlns:r="http://schemas.openxmlformats.org/officeDocument/2006/relationships" xmlns:p="http://schemas.openxmlformats.org/presentationml/2006/main" saveSubsetFonts="1">
   <p:sldMasterIdLst>
-    <p:sldMasterId id="2147483696" r:id="rId1"/>
+    <p:sldMasterId id="2147483708" r:id="rId1"/>
   </p:sldMasterIdLst>
   <p:sldIdLst>
     <p:sldId id="256" r:id="rId2"/>
   </p:sldIdLst>
-  <p:sldSz cx="15849600" cy="2468563"/>
+  <p:sldSz cx="15270163" cy="2743200"/>
   <p:notesSz cx="6858000" cy="9144000"/>
   <p:defaultTextStyle>
     <a:defPPr>
@@ -141,15 +141,15 @@
         </p:nvSpPr>
         <p:spPr>
           <a:xfrm>
-            <a:off x="1981200" y="403999"/>
-            <a:ext cx="11887200" cy="859426"/>
+            <a:off x="1908771" y="448945"/>
+            <a:ext cx="11452622" cy="955040"/>
           </a:xfrm>
         </p:spPr>
         <p:txBody>
           <a:bodyPr anchor="b"/>
           <a:lstStyle>
             <a:lvl1pPr algn="ctr">
-              <a:defRPr sz="2160"/>
+              <a:defRPr sz="2400"/>
             </a:lvl1pPr>
           </a:lstStyle>
           <a:p>
@@ -173,8 +173,8 @@
         </p:nvSpPr>
         <p:spPr>
           <a:xfrm>
-            <a:off x="1981200" y="1296567"/>
-            <a:ext cx="11887200" cy="595998"/>
+            <a:off x="1908771" y="1440815"/>
+            <a:ext cx="11452622" cy="662305"/>
           </a:xfrm>
         </p:spPr>
         <p:txBody>
@@ -182,39 +182,39 @@
           <a:lstStyle>
             <a:lvl1pPr marL="0" indent="0" algn="ctr">
               <a:buNone/>
-              <a:defRPr sz="864"/>
+              <a:defRPr sz="960"/>
             </a:lvl1pPr>
-            <a:lvl2pPr marL="164592" indent="0" algn="ctr">
+            <a:lvl2pPr marL="182880" indent="0" algn="ctr">
+              <a:buNone/>
+              <a:defRPr sz="800"/>
+            </a:lvl2pPr>
+            <a:lvl3pPr marL="365760" indent="0" algn="ctr">
               <a:buNone/>
               <a:defRPr sz="720"/>
-            </a:lvl2pPr>
-            <a:lvl3pPr marL="329184" indent="0" algn="ctr">
-              <a:buNone/>
-              <a:defRPr sz="648"/>
             </a:lvl3pPr>
-            <a:lvl4pPr marL="493776" indent="0" algn="ctr">
-              <a:buNone/>
-              <a:defRPr sz="576"/>
+            <a:lvl4pPr marL="548640" indent="0" algn="ctr">
+              <a:buNone/>
+              <a:defRPr sz="640"/>
             </a:lvl4pPr>
-            <a:lvl5pPr marL="658368" indent="0" algn="ctr">
-              <a:buNone/>
-              <a:defRPr sz="576"/>
+            <a:lvl5pPr marL="731520" indent="0" algn="ctr">
+              <a:buNone/>
+              <a:defRPr sz="640"/>
             </a:lvl5pPr>
-            <a:lvl6pPr marL="822960" indent="0" algn="ctr">
-              <a:buNone/>
-              <a:defRPr sz="576"/>
+            <a:lvl6pPr marL="914400" indent="0" algn="ctr">
+              <a:buNone/>
+              <a:defRPr sz="640"/>
             </a:lvl6pPr>
-            <a:lvl7pPr marL="987552" indent="0" algn="ctr">
-              <a:buNone/>
-              <a:defRPr sz="576"/>
+            <a:lvl7pPr marL="1097280" indent="0" algn="ctr">
+              <a:buNone/>
+              <a:defRPr sz="640"/>
             </a:lvl7pPr>
-            <a:lvl8pPr marL="1152144" indent="0" algn="ctr">
-              <a:buNone/>
-              <a:defRPr sz="576"/>
+            <a:lvl8pPr marL="1280160" indent="0" algn="ctr">
+              <a:buNone/>
+              <a:defRPr sz="640"/>
             </a:lvl8pPr>
-            <a:lvl9pPr marL="1316736" indent="0" algn="ctr">
-              <a:buNone/>
-              <a:defRPr sz="576"/>
+            <a:lvl9pPr marL="1463040" indent="0" algn="ctr">
+              <a:buNone/>
+              <a:defRPr sz="640"/>
             </a:lvl9pPr>
           </a:lstStyle>
           <a:p>
@@ -294,7 +294,7 @@
     </p:spTree>
     <p:extLst>
       <p:ext uri="{BB962C8B-B14F-4D97-AF65-F5344CB8AC3E}">
-        <p14:creationId xmlns:p14="http://schemas.microsoft.com/office/powerpoint/2010/main" val="3517185298"/>
+        <p14:creationId xmlns:p14="http://schemas.microsoft.com/office/powerpoint/2010/main" val="1278288705"/>
       </p:ext>
     </p:extLst>
   </p:cSld>
@@ -464,7 +464,7 @@
     </p:spTree>
     <p:extLst>
       <p:ext uri="{BB962C8B-B14F-4D97-AF65-F5344CB8AC3E}">
-        <p14:creationId xmlns:p14="http://schemas.microsoft.com/office/powerpoint/2010/main" val="2014343150"/>
+        <p14:creationId xmlns:p14="http://schemas.microsoft.com/office/powerpoint/2010/main" val="326664014"/>
       </p:ext>
     </p:extLst>
   </p:cSld>
@@ -503,8 +503,8 @@
         </p:nvSpPr>
         <p:spPr>
           <a:xfrm>
-            <a:off x="11342370" y="131428"/>
-            <a:ext cx="3417570" cy="2091993"/>
+            <a:off x="10927710" y="146050"/>
+            <a:ext cx="3292629" cy="2324735"/>
           </a:xfrm>
         </p:spPr>
         <p:txBody>
@@ -531,8 +531,8 @@
         </p:nvSpPr>
         <p:spPr>
           <a:xfrm>
-            <a:off x="1089660" y="131428"/>
-            <a:ext cx="10054590" cy="2091993"/>
+            <a:off x="1049824" y="146050"/>
+            <a:ext cx="9687010" cy="2324735"/>
           </a:xfrm>
         </p:spPr>
         <p:txBody>
@@ -644,7 +644,7 @@
     </p:spTree>
     <p:extLst>
       <p:ext uri="{BB962C8B-B14F-4D97-AF65-F5344CB8AC3E}">
-        <p14:creationId xmlns:p14="http://schemas.microsoft.com/office/powerpoint/2010/main" val="1662165515"/>
+        <p14:creationId xmlns:p14="http://schemas.microsoft.com/office/powerpoint/2010/main" val="1540464446"/>
       </p:ext>
     </p:extLst>
   </p:cSld>
@@ -814,7 +814,7 @@
     </p:spTree>
     <p:extLst>
       <p:ext uri="{BB962C8B-B14F-4D97-AF65-F5344CB8AC3E}">
-        <p14:creationId xmlns:p14="http://schemas.microsoft.com/office/powerpoint/2010/main" val="2772357358"/>
+        <p14:creationId xmlns:p14="http://schemas.microsoft.com/office/powerpoint/2010/main" val="1306391950"/>
       </p:ext>
     </p:extLst>
   </p:cSld>
@@ -853,15 +853,15 @@
         </p:nvSpPr>
         <p:spPr>
           <a:xfrm>
-            <a:off x="1081405" y="615427"/>
-            <a:ext cx="13670280" cy="1026853"/>
+            <a:off x="1041870" y="683895"/>
+            <a:ext cx="13170516" cy="1141095"/>
           </a:xfrm>
         </p:spPr>
         <p:txBody>
           <a:bodyPr anchor="b"/>
           <a:lstStyle>
             <a:lvl1pPr>
-              <a:defRPr sz="2160"/>
+              <a:defRPr sz="2400"/>
             </a:lvl1pPr>
           </a:lstStyle>
           <a:p>
@@ -885,8 +885,8 @@
         </p:nvSpPr>
         <p:spPr>
           <a:xfrm>
-            <a:off x="1081405" y="1651995"/>
-            <a:ext cx="13670280" cy="539998"/>
+            <a:off x="1041870" y="1835785"/>
+            <a:ext cx="13170516" cy="600075"/>
           </a:xfrm>
         </p:spPr>
         <p:txBody>
@@ -894,7 +894,7 @@
           <a:lstStyle>
             <a:lvl1pPr marL="0" indent="0">
               <a:buNone/>
-              <a:defRPr sz="864">
+              <a:defRPr sz="960">
                 <a:solidFill>
                   <a:schemeClr val="tx1">
                     <a:tint val="75000"/>
@@ -902,7 +902,17 @@
                 </a:solidFill>
               </a:defRPr>
             </a:lvl1pPr>
-            <a:lvl2pPr marL="164592" indent="0">
+            <a:lvl2pPr marL="182880" indent="0">
+              <a:buNone/>
+              <a:defRPr sz="800">
+                <a:solidFill>
+                  <a:schemeClr val="tx1">
+                    <a:tint val="75000"/>
+                  </a:schemeClr>
+                </a:solidFill>
+              </a:defRPr>
+            </a:lvl2pPr>
+            <a:lvl3pPr marL="365760" indent="0">
               <a:buNone/>
               <a:defRPr sz="720">
                 <a:solidFill>
@@ -911,20 +921,10 @@
                   </a:schemeClr>
                 </a:solidFill>
               </a:defRPr>
-            </a:lvl2pPr>
-            <a:lvl3pPr marL="329184" indent="0">
-              <a:buNone/>
-              <a:defRPr sz="648">
-                <a:solidFill>
-                  <a:schemeClr val="tx1">
-                    <a:tint val="75000"/>
-                  </a:schemeClr>
-                </a:solidFill>
-              </a:defRPr>
             </a:lvl3pPr>
-            <a:lvl4pPr marL="493776" indent="0">
-              <a:buNone/>
-              <a:defRPr sz="576">
+            <a:lvl4pPr marL="548640" indent="0">
+              <a:buNone/>
+              <a:defRPr sz="640">
                 <a:solidFill>
                   <a:schemeClr val="tx1">
                     <a:tint val="75000"/>
@@ -932,9 +932,9 @@
                 </a:solidFill>
               </a:defRPr>
             </a:lvl4pPr>
-            <a:lvl5pPr marL="658368" indent="0">
-              <a:buNone/>
-              <a:defRPr sz="576">
+            <a:lvl5pPr marL="731520" indent="0">
+              <a:buNone/>
+              <a:defRPr sz="640">
                 <a:solidFill>
                   <a:schemeClr val="tx1">
                     <a:tint val="75000"/>
@@ -942,9 +942,9 @@
                 </a:solidFill>
               </a:defRPr>
             </a:lvl5pPr>
-            <a:lvl6pPr marL="822960" indent="0">
-              <a:buNone/>
-              <a:defRPr sz="576">
+            <a:lvl6pPr marL="914400" indent="0">
+              <a:buNone/>
+              <a:defRPr sz="640">
                 <a:solidFill>
                   <a:schemeClr val="tx1">
                     <a:tint val="75000"/>
@@ -952,9 +952,9 @@
                 </a:solidFill>
               </a:defRPr>
             </a:lvl6pPr>
-            <a:lvl7pPr marL="987552" indent="0">
-              <a:buNone/>
-              <a:defRPr sz="576">
+            <a:lvl7pPr marL="1097280" indent="0">
+              <a:buNone/>
+              <a:defRPr sz="640">
                 <a:solidFill>
                   <a:schemeClr val="tx1">
                     <a:tint val="75000"/>
@@ -962,9 +962,9 @@
                 </a:solidFill>
               </a:defRPr>
             </a:lvl7pPr>
-            <a:lvl8pPr marL="1152144" indent="0">
-              <a:buNone/>
-              <a:defRPr sz="576">
+            <a:lvl8pPr marL="1280160" indent="0">
+              <a:buNone/>
+              <a:defRPr sz="640">
                 <a:solidFill>
                   <a:schemeClr val="tx1">
                     <a:tint val="75000"/>
@@ -972,9 +972,9 @@
                 </a:solidFill>
               </a:defRPr>
             </a:lvl8pPr>
-            <a:lvl9pPr marL="1316736" indent="0">
-              <a:buNone/>
-              <a:defRPr sz="576">
+            <a:lvl9pPr marL="1463040" indent="0">
+              <a:buNone/>
+              <a:defRPr sz="640">
                 <a:solidFill>
                   <a:schemeClr val="tx1">
                     <a:tint val="75000"/>
@@ -1060,7 +1060,7 @@
     </p:spTree>
     <p:extLst>
       <p:ext uri="{BB962C8B-B14F-4D97-AF65-F5344CB8AC3E}">
-        <p14:creationId xmlns:p14="http://schemas.microsoft.com/office/powerpoint/2010/main" val="3985056049"/>
+        <p14:creationId xmlns:p14="http://schemas.microsoft.com/office/powerpoint/2010/main" val="3687788253"/>
       </p:ext>
     </p:extLst>
   </p:cSld>
@@ -1122,8 +1122,8 @@
         </p:nvSpPr>
         <p:spPr>
           <a:xfrm>
-            <a:off x="1089660" y="657140"/>
-            <a:ext cx="6736080" cy="1566281"/>
+            <a:off x="1049824" y="730250"/>
+            <a:ext cx="6489819" cy="1740535"/>
           </a:xfrm>
         </p:spPr>
         <p:txBody>
@@ -1179,8 +1179,8 @@
         </p:nvSpPr>
         <p:spPr>
           <a:xfrm>
-            <a:off x="8023860" y="657140"/>
-            <a:ext cx="6736080" cy="1566281"/>
+            <a:off x="7730520" y="730250"/>
+            <a:ext cx="6489819" cy="1740535"/>
           </a:xfrm>
         </p:spPr>
         <p:txBody>
@@ -1292,7 +1292,7 @@
     </p:spTree>
     <p:extLst>
       <p:ext uri="{BB962C8B-B14F-4D97-AF65-F5344CB8AC3E}">
-        <p14:creationId xmlns:p14="http://schemas.microsoft.com/office/powerpoint/2010/main" val="1865773050"/>
+        <p14:creationId xmlns:p14="http://schemas.microsoft.com/office/powerpoint/2010/main" val="3287051581"/>
       </p:ext>
     </p:extLst>
   </p:cSld>
@@ -1331,8 +1331,8 @@
         </p:nvSpPr>
         <p:spPr>
           <a:xfrm>
-            <a:off x="1091724" y="131429"/>
-            <a:ext cx="13670280" cy="477141"/>
+            <a:off x="1051812" y="146050"/>
+            <a:ext cx="13170516" cy="530225"/>
           </a:xfrm>
         </p:spPr>
         <p:txBody>
@@ -1359,8 +1359,8 @@
         </p:nvSpPr>
         <p:spPr>
           <a:xfrm>
-            <a:off x="1091725" y="605141"/>
-            <a:ext cx="6705123" cy="296570"/>
+            <a:off x="1051813" y="672465"/>
+            <a:ext cx="6459994" cy="329565"/>
           </a:xfrm>
         </p:spPr>
         <p:txBody>
@@ -1368,39 +1368,39 @@
           <a:lstStyle>
             <a:lvl1pPr marL="0" indent="0">
               <a:buNone/>
-              <a:defRPr sz="864" b="1"/>
+              <a:defRPr sz="960" b="1"/>
             </a:lvl1pPr>
-            <a:lvl2pPr marL="164592" indent="0">
+            <a:lvl2pPr marL="182880" indent="0">
+              <a:buNone/>
+              <a:defRPr sz="800" b="1"/>
+            </a:lvl2pPr>
+            <a:lvl3pPr marL="365760" indent="0">
               <a:buNone/>
               <a:defRPr sz="720" b="1"/>
-            </a:lvl2pPr>
-            <a:lvl3pPr marL="329184" indent="0">
-              <a:buNone/>
-              <a:defRPr sz="648" b="1"/>
             </a:lvl3pPr>
-            <a:lvl4pPr marL="493776" indent="0">
-              <a:buNone/>
-              <a:defRPr sz="576" b="1"/>
+            <a:lvl4pPr marL="548640" indent="0">
+              <a:buNone/>
+              <a:defRPr sz="640" b="1"/>
             </a:lvl4pPr>
-            <a:lvl5pPr marL="658368" indent="0">
-              <a:buNone/>
-              <a:defRPr sz="576" b="1"/>
+            <a:lvl5pPr marL="731520" indent="0">
+              <a:buNone/>
+              <a:defRPr sz="640" b="1"/>
             </a:lvl5pPr>
-            <a:lvl6pPr marL="822960" indent="0">
-              <a:buNone/>
-              <a:defRPr sz="576" b="1"/>
+            <a:lvl6pPr marL="914400" indent="0">
+              <a:buNone/>
+              <a:defRPr sz="640" b="1"/>
             </a:lvl6pPr>
-            <a:lvl7pPr marL="987552" indent="0">
-              <a:buNone/>
-              <a:defRPr sz="576" b="1"/>
+            <a:lvl7pPr marL="1097280" indent="0">
+              <a:buNone/>
+              <a:defRPr sz="640" b="1"/>
             </a:lvl7pPr>
-            <a:lvl8pPr marL="1152144" indent="0">
-              <a:buNone/>
-              <a:defRPr sz="576" b="1"/>
+            <a:lvl8pPr marL="1280160" indent="0">
+              <a:buNone/>
+              <a:defRPr sz="640" b="1"/>
             </a:lvl8pPr>
-            <a:lvl9pPr marL="1316736" indent="0">
-              <a:buNone/>
-              <a:defRPr sz="576" b="1"/>
+            <a:lvl9pPr marL="1463040" indent="0">
+              <a:buNone/>
+              <a:defRPr sz="640" b="1"/>
             </a:lvl9pPr>
           </a:lstStyle>
           <a:p>
@@ -1424,8 +1424,8 @@
         </p:nvSpPr>
         <p:spPr>
           <a:xfrm>
-            <a:off x="1091725" y="901711"/>
-            <a:ext cx="6705123" cy="1326281"/>
+            <a:off x="1051813" y="1002030"/>
+            <a:ext cx="6459994" cy="1473835"/>
           </a:xfrm>
         </p:spPr>
         <p:txBody>
@@ -1481,8 +1481,8 @@
         </p:nvSpPr>
         <p:spPr>
           <a:xfrm>
-            <a:off x="8023860" y="605141"/>
-            <a:ext cx="6738144" cy="296570"/>
+            <a:off x="7730520" y="672465"/>
+            <a:ext cx="6491808" cy="329565"/>
           </a:xfrm>
         </p:spPr>
         <p:txBody>
@@ -1490,39 +1490,39 @@
           <a:lstStyle>
             <a:lvl1pPr marL="0" indent="0">
               <a:buNone/>
-              <a:defRPr sz="864" b="1"/>
+              <a:defRPr sz="960" b="1"/>
             </a:lvl1pPr>
-            <a:lvl2pPr marL="164592" indent="0">
+            <a:lvl2pPr marL="182880" indent="0">
+              <a:buNone/>
+              <a:defRPr sz="800" b="1"/>
+            </a:lvl2pPr>
+            <a:lvl3pPr marL="365760" indent="0">
               <a:buNone/>
               <a:defRPr sz="720" b="1"/>
-            </a:lvl2pPr>
-            <a:lvl3pPr marL="329184" indent="0">
-              <a:buNone/>
-              <a:defRPr sz="648" b="1"/>
             </a:lvl3pPr>
-            <a:lvl4pPr marL="493776" indent="0">
-              <a:buNone/>
-              <a:defRPr sz="576" b="1"/>
+            <a:lvl4pPr marL="548640" indent="0">
+              <a:buNone/>
+              <a:defRPr sz="640" b="1"/>
             </a:lvl4pPr>
-            <a:lvl5pPr marL="658368" indent="0">
-              <a:buNone/>
-              <a:defRPr sz="576" b="1"/>
+            <a:lvl5pPr marL="731520" indent="0">
+              <a:buNone/>
+              <a:defRPr sz="640" b="1"/>
             </a:lvl5pPr>
-            <a:lvl6pPr marL="822960" indent="0">
-              <a:buNone/>
-              <a:defRPr sz="576" b="1"/>
+            <a:lvl6pPr marL="914400" indent="0">
+              <a:buNone/>
+              <a:defRPr sz="640" b="1"/>
             </a:lvl6pPr>
-            <a:lvl7pPr marL="987552" indent="0">
-              <a:buNone/>
-              <a:defRPr sz="576" b="1"/>
+            <a:lvl7pPr marL="1097280" indent="0">
+              <a:buNone/>
+              <a:defRPr sz="640" b="1"/>
             </a:lvl7pPr>
-            <a:lvl8pPr marL="1152144" indent="0">
-              <a:buNone/>
-              <a:defRPr sz="576" b="1"/>
+            <a:lvl8pPr marL="1280160" indent="0">
+              <a:buNone/>
+              <a:defRPr sz="640" b="1"/>
             </a:lvl8pPr>
-            <a:lvl9pPr marL="1316736" indent="0">
-              <a:buNone/>
-              <a:defRPr sz="576" b="1"/>
+            <a:lvl9pPr marL="1463040" indent="0">
+              <a:buNone/>
+              <a:defRPr sz="640" b="1"/>
             </a:lvl9pPr>
           </a:lstStyle>
           <a:p>
@@ -1546,8 +1546,8 @@
         </p:nvSpPr>
         <p:spPr>
           <a:xfrm>
-            <a:off x="8023860" y="901711"/>
-            <a:ext cx="6738144" cy="1326281"/>
+            <a:off x="7730520" y="1002030"/>
+            <a:ext cx="6491808" cy="1473835"/>
           </a:xfrm>
         </p:spPr>
         <p:txBody>
@@ -1659,7 +1659,7 @@
     </p:spTree>
     <p:extLst>
       <p:ext uri="{BB962C8B-B14F-4D97-AF65-F5344CB8AC3E}">
-        <p14:creationId xmlns:p14="http://schemas.microsoft.com/office/powerpoint/2010/main" val="1612928422"/>
+        <p14:creationId xmlns:p14="http://schemas.microsoft.com/office/powerpoint/2010/main" val="1732829758"/>
       </p:ext>
     </p:extLst>
   </p:cSld>
@@ -1777,7 +1777,7 @@
     </p:spTree>
     <p:extLst>
       <p:ext uri="{BB962C8B-B14F-4D97-AF65-F5344CB8AC3E}">
-        <p14:creationId xmlns:p14="http://schemas.microsoft.com/office/powerpoint/2010/main" val="2455430250"/>
+        <p14:creationId xmlns:p14="http://schemas.microsoft.com/office/powerpoint/2010/main" val="4223426781"/>
       </p:ext>
     </p:extLst>
   </p:cSld>
@@ -1872,7 +1872,7 @@
     </p:spTree>
     <p:extLst>
       <p:ext uri="{BB962C8B-B14F-4D97-AF65-F5344CB8AC3E}">
-        <p14:creationId xmlns:p14="http://schemas.microsoft.com/office/powerpoint/2010/main" val="56103688"/>
+        <p14:creationId xmlns:p14="http://schemas.microsoft.com/office/powerpoint/2010/main" val="3871695467"/>
       </p:ext>
     </p:extLst>
   </p:cSld>
@@ -1911,15 +1911,15 @@
         </p:nvSpPr>
         <p:spPr>
           <a:xfrm>
-            <a:off x="1091725" y="164571"/>
-            <a:ext cx="5111908" cy="575998"/>
+            <a:off x="1051813" y="182880"/>
+            <a:ext cx="4925025" cy="640080"/>
           </a:xfrm>
         </p:spPr>
         <p:txBody>
           <a:bodyPr anchor="b"/>
           <a:lstStyle>
             <a:lvl1pPr>
-              <a:defRPr sz="1152"/>
+              <a:defRPr sz="1280"/>
             </a:lvl1pPr>
           </a:lstStyle>
           <a:p>
@@ -1943,39 +1943,39 @@
         </p:nvSpPr>
         <p:spPr>
           <a:xfrm>
-            <a:off x="6738144" y="355427"/>
-            <a:ext cx="8023860" cy="1754280"/>
+            <a:off x="6491808" y="394970"/>
+            <a:ext cx="7730520" cy="1949450"/>
           </a:xfrm>
         </p:spPr>
         <p:txBody>
           <a:bodyPr/>
           <a:lstStyle>
             <a:lvl1pPr>
-              <a:defRPr sz="1152"/>
+              <a:defRPr sz="1280"/>
             </a:lvl1pPr>
             <a:lvl2pPr>
-              <a:defRPr sz="1008"/>
+              <a:defRPr sz="1120"/>
             </a:lvl2pPr>
             <a:lvl3pPr>
-              <a:defRPr sz="864"/>
+              <a:defRPr sz="960"/>
             </a:lvl3pPr>
             <a:lvl4pPr>
-              <a:defRPr sz="720"/>
+              <a:defRPr sz="800"/>
             </a:lvl4pPr>
             <a:lvl5pPr>
-              <a:defRPr sz="720"/>
+              <a:defRPr sz="800"/>
             </a:lvl5pPr>
             <a:lvl6pPr>
-              <a:defRPr sz="720"/>
+              <a:defRPr sz="800"/>
             </a:lvl6pPr>
             <a:lvl7pPr>
-              <a:defRPr sz="720"/>
+              <a:defRPr sz="800"/>
             </a:lvl7pPr>
             <a:lvl8pPr>
-              <a:defRPr sz="720"/>
+              <a:defRPr sz="800"/>
             </a:lvl8pPr>
             <a:lvl9pPr>
-              <a:defRPr sz="720"/>
+              <a:defRPr sz="800"/>
             </a:lvl9pPr>
           </a:lstStyle>
           <a:p>
@@ -2028,8 +2028,8 @@
         </p:nvSpPr>
         <p:spPr>
           <a:xfrm>
-            <a:off x="1091725" y="740569"/>
-            <a:ext cx="5111908" cy="1371995"/>
+            <a:off x="1051813" y="822960"/>
+            <a:ext cx="4925025" cy="1524635"/>
           </a:xfrm>
         </p:spPr>
         <p:txBody>
@@ -2037,39 +2037,39 @@
           <a:lstStyle>
             <a:lvl1pPr marL="0" indent="0">
               <a:buNone/>
-              <a:defRPr sz="576"/>
+              <a:defRPr sz="640"/>
             </a:lvl1pPr>
-            <a:lvl2pPr marL="164592" indent="0">
-              <a:buNone/>
-              <a:defRPr sz="504"/>
+            <a:lvl2pPr marL="182880" indent="0">
+              <a:buNone/>
+              <a:defRPr sz="560"/>
             </a:lvl2pPr>
-            <a:lvl3pPr marL="329184" indent="0">
-              <a:buNone/>
-              <a:defRPr sz="432"/>
+            <a:lvl3pPr marL="365760" indent="0">
+              <a:buNone/>
+              <a:defRPr sz="480"/>
             </a:lvl3pPr>
-            <a:lvl4pPr marL="493776" indent="0">
-              <a:buNone/>
-              <a:defRPr sz="360"/>
+            <a:lvl4pPr marL="548640" indent="0">
+              <a:buNone/>
+              <a:defRPr sz="400"/>
             </a:lvl4pPr>
-            <a:lvl5pPr marL="658368" indent="0">
-              <a:buNone/>
-              <a:defRPr sz="360"/>
+            <a:lvl5pPr marL="731520" indent="0">
+              <a:buNone/>
+              <a:defRPr sz="400"/>
             </a:lvl5pPr>
-            <a:lvl6pPr marL="822960" indent="0">
-              <a:buNone/>
-              <a:defRPr sz="360"/>
+            <a:lvl6pPr marL="914400" indent="0">
+              <a:buNone/>
+              <a:defRPr sz="400"/>
             </a:lvl6pPr>
-            <a:lvl7pPr marL="987552" indent="0">
-              <a:buNone/>
-              <a:defRPr sz="360"/>
+            <a:lvl7pPr marL="1097280" indent="0">
+              <a:buNone/>
+              <a:defRPr sz="400"/>
             </a:lvl7pPr>
-            <a:lvl8pPr marL="1152144" indent="0">
-              <a:buNone/>
-              <a:defRPr sz="360"/>
+            <a:lvl8pPr marL="1280160" indent="0">
+              <a:buNone/>
+              <a:defRPr sz="400"/>
             </a:lvl8pPr>
-            <a:lvl9pPr marL="1316736" indent="0">
-              <a:buNone/>
-              <a:defRPr sz="360"/>
+            <a:lvl9pPr marL="1463040" indent="0">
+              <a:buNone/>
+              <a:defRPr sz="400"/>
             </a:lvl9pPr>
           </a:lstStyle>
           <a:p>
@@ -2149,7 +2149,7 @@
     </p:spTree>
     <p:extLst>
       <p:ext uri="{BB962C8B-B14F-4D97-AF65-F5344CB8AC3E}">
-        <p14:creationId xmlns:p14="http://schemas.microsoft.com/office/powerpoint/2010/main" val="3556230779"/>
+        <p14:creationId xmlns:p14="http://schemas.microsoft.com/office/powerpoint/2010/main" val="1787797720"/>
       </p:ext>
     </p:extLst>
   </p:cSld>
@@ -2188,15 +2188,15 @@
         </p:nvSpPr>
         <p:spPr>
           <a:xfrm>
-            <a:off x="1091725" y="164571"/>
-            <a:ext cx="5111908" cy="575998"/>
+            <a:off x="1051813" y="182880"/>
+            <a:ext cx="4925025" cy="640080"/>
           </a:xfrm>
         </p:spPr>
         <p:txBody>
           <a:bodyPr anchor="b"/>
           <a:lstStyle>
             <a:lvl1pPr>
-              <a:defRPr sz="1152"/>
+              <a:defRPr sz="1280"/>
             </a:lvl1pPr>
           </a:lstStyle>
           <a:p>
@@ -2220,8 +2220,8 @@
         </p:nvSpPr>
         <p:spPr>
           <a:xfrm>
-            <a:off x="6738144" y="355427"/>
-            <a:ext cx="8023860" cy="1754280"/>
+            <a:off x="6491808" y="394970"/>
+            <a:ext cx="7730520" cy="1949450"/>
           </a:xfrm>
         </p:spPr>
         <p:txBody>
@@ -2229,39 +2229,39 @@
           <a:lstStyle>
             <a:lvl1pPr marL="0" indent="0">
               <a:buNone/>
-              <a:defRPr sz="1152"/>
+              <a:defRPr sz="1280"/>
             </a:lvl1pPr>
-            <a:lvl2pPr marL="164592" indent="0">
-              <a:buNone/>
-              <a:defRPr sz="1008"/>
+            <a:lvl2pPr marL="182880" indent="0">
+              <a:buNone/>
+              <a:defRPr sz="1120"/>
             </a:lvl2pPr>
-            <a:lvl3pPr marL="329184" indent="0">
-              <a:buNone/>
-              <a:defRPr sz="864"/>
+            <a:lvl3pPr marL="365760" indent="0">
+              <a:buNone/>
+              <a:defRPr sz="960"/>
             </a:lvl3pPr>
-            <a:lvl4pPr marL="493776" indent="0">
-              <a:buNone/>
-              <a:defRPr sz="720"/>
+            <a:lvl4pPr marL="548640" indent="0">
+              <a:buNone/>
+              <a:defRPr sz="800"/>
             </a:lvl4pPr>
-            <a:lvl5pPr marL="658368" indent="0">
-              <a:buNone/>
-              <a:defRPr sz="720"/>
+            <a:lvl5pPr marL="731520" indent="0">
+              <a:buNone/>
+              <a:defRPr sz="800"/>
             </a:lvl5pPr>
-            <a:lvl6pPr marL="822960" indent="0">
-              <a:buNone/>
-              <a:defRPr sz="720"/>
+            <a:lvl6pPr marL="914400" indent="0">
+              <a:buNone/>
+              <a:defRPr sz="800"/>
             </a:lvl6pPr>
-            <a:lvl7pPr marL="987552" indent="0">
-              <a:buNone/>
-              <a:defRPr sz="720"/>
+            <a:lvl7pPr marL="1097280" indent="0">
+              <a:buNone/>
+              <a:defRPr sz="800"/>
             </a:lvl7pPr>
-            <a:lvl8pPr marL="1152144" indent="0">
-              <a:buNone/>
-              <a:defRPr sz="720"/>
+            <a:lvl8pPr marL="1280160" indent="0">
+              <a:buNone/>
+              <a:defRPr sz="800"/>
             </a:lvl8pPr>
-            <a:lvl9pPr marL="1316736" indent="0">
-              <a:buNone/>
-              <a:defRPr sz="720"/>
+            <a:lvl9pPr marL="1463040" indent="0">
+              <a:buNone/>
+              <a:defRPr sz="800"/>
             </a:lvl9pPr>
           </a:lstStyle>
           <a:p>
@@ -2285,8 +2285,8 @@
         </p:nvSpPr>
         <p:spPr>
           <a:xfrm>
-            <a:off x="1091725" y="740569"/>
-            <a:ext cx="5111908" cy="1371995"/>
+            <a:off x="1051813" y="822960"/>
+            <a:ext cx="4925025" cy="1524635"/>
           </a:xfrm>
         </p:spPr>
         <p:txBody>
@@ -2294,39 +2294,39 @@
           <a:lstStyle>
             <a:lvl1pPr marL="0" indent="0">
               <a:buNone/>
-              <a:defRPr sz="576"/>
+              <a:defRPr sz="640"/>
             </a:lvl1pPr>
-            <a:lvl2pPr marL="164592" indent="0">
-              <a:buNone/>
-              <a:defRPr sz="504"/>
+            <a:lvl2pPr marL="182880" indent="0">
+              <a:buNone/>
+              <a:defRPr sz="560"/>
             </a:lvl2pPr>
-            <a:lvl3pPr marL="329184" indent="0">
-              <a:buNone/>
-              <a:defRPr sz="432"/>
+            <a:lvl3pPr marL="365760" indent="0">
+              <a:buNone/>
+              <a:defRPr sz="480"/>
             </a:lvl3pPr>
-            <a:lvl4pPr marL="493776" indent="0">
-              <a:buNone/>
-              <a:defRPr sz="360"/>
+            <a:lvl4pPr marL="548640" indent="0">
+              <a:buNone/>
+              <a:defRPr sz="400"/>
             </a:lvl4pPr>
-            <a:lvl5pPr marL="658368" indent="0">
-              <a:buNone/>
-              <a:defRPr sz="360"/>
+            <a:lvl5pPr marL="731520" indent="0">
+              <a:buNone/>
+              <a:defRPr sz="400"/>
             </a:lvl5pPr>
-            <a:lvl6pPr marL="822960" indent="0">
-              <a:buNone/>
-              <a:defRPr sz="360"/>
+            <a:lvl6pPr marL="914400" indent="0">
+              <a:buNone/>
+              <a:defRPr sz="400"/>
             </a:lvl6pPr>
-            <a:lvl7pPr marL="987552" indent="0">
-              <a:buNone/>
-              <a:defRPr sz="360"/>
+            <a:lvl7pPr marL="1097280" indent="0">
+              <a:buNone/>
+              <a:defRPr sz="400"/>
             </a:lvl7pPr>
-            <a:lvl8pPr marL="1152144" indent="0">
-              <a:buNone/>
-              <a:defRPr sz="360"/>
+            <a:lvl8pPr marL="1280160" indent="0">
+              <a:buNone/>
+              <a:defRPr sz="400"/>
             </a:lvl8pPr>
-            <a:lvl9pPr marL="1316736" indent="0">
-              <a:buNone/>
-              <a:defRPr sz="360"/>
+            <a:lvl9pPr marL="1463040" indent="0">
+              <a:buNone/>
+              <a:defRPr sz="400"/>
             </a:lvl9pPr>
           </a:lstStyle>
           <a:p>
@@ -2406,7 +2406,7 @@
     </p:spTree>
     <p:extLst>
       <p:ext uri="{BB962C8B-B14F-4D97-AF65-F5344CB8AC3E}">
-        <p14:creationId xmlns:p14="http://schemas.microsoft.com/office/powerpoint/2010/main" val="1550626860"/>
+        <p14:creationId xmlns:p14="http://schemas.microsoft.com/office/powerpoint/2010/main" val="2524458515"/>
       </p:ext>
     </p:extLst>
   </p:cSld>
@@ -2450,8 +2450,8 @@
         </p:nvSpPr>
         <p:spPr>
           <a:xfrm>
-            <a:off x="1089660" y="131429"/>
-            <a:ext cx="13670280" cy="477141"/>
+            <a:off x="1049824" y="146050"/>
+            <a:ext cx="13170516" cy="530225"/>
           </a:xfrm>
           <a:prstGeom prst="rect">
             <a:avLst/>
@@ -2483,8 +2483,8 @@
         </p:nvSpPr>
         <p:spPr>
           <a:xfrm>
-            <a:off x="1089660" y="657140"/>
-            <a:ext cx="13670280" cy="1566281"/>
+            <a:off x="1049824" y="730250"/>
+            <a:ext cx="13170516" cy="1740535"/>
           </a:xfrm>
           <a:prstGeom prst="rect">
             <a:avLst/>
@@ -2545,8 +2545,8 @@
         </p:nvSpPr>
         <p:spPr>
           <a:xfrm>
-            <a:off x="1089660" y="2287992"/>
-            <a:ext cx="3566160" cy="131428"/>
+            <a:off x="1049824" y="2542540"/>
+            <a:ext cx="3435787" cy="146050"/>
           </a:xfrm>
           <a:prstGeom prst="rect">
             <a:avLst/>
@@ -2556,7 +2556,7 @@
           <a:bodyPr vert="horz" lIns="91440" tIns="45720" rIns="91440" bIns="45720" rtlCol="0" anchor="ctr"/>
           <a:lstStyle>
             <a:lvl1pPr algn="l">
-              <a:defRPr sz="432">
+              <a:defRPr sz="480">
                 <a:solidFill>
                   <a:schemeClr val="tx1">
                     <a:tint val="75000"/>
@@ -2586,8 +2586,8 @@
         </p:nvSpPr>
         <p:spPr>
           <a:xfrm>
-            <a:off x="5250180" y="2287992"/>
-            <a:ext cx="5349240" cy="131428"/>
+            <a:off x="5058242" y="2542540"/>
+            <a:ext cx="5153680" cy="146050"/>
           </a:xfrm>
           <a:prstGeom prst="rect">
             <a:avLst/>
@@ -2597,7 +2597,7 @@
           <a:bodyPr vert="horz" lIns="91440" tIns="45720" rIns="91440" bIns="45720" rtlCol="0" anchor="ctr"/>
           <a:lstStyle>
             <a:lvl1pPr algn="ctr">
-              <a:defRPr sz="432">
+              <a:defRPr sz="480">
                 <a:solidFill>
                   <a:schemeClr val="tx1">
                     <a:tint val="75000"/>
@@ -2623,8 +2623,8 @@
         </p:nvSpPr>
         <p:spPr>
           <a:xfrm>
-            <a:off x="11193780" y="2287992"/>
-            <a:ext cx="3566160" cy="131428"/>
+            <a:off x="10784552" y="2542540"/>
+            <a:ext cx="3435787" cy="146050"/>
           </a:xfrm>
           <a:prstGeom prst="rect">
             <a:avLst/>
@@ -2634,7 +2634,7 @@
           <a:bodyPr vert="horz" lIns="91440" tIns="45720" rIns="91440" bIns="45720" rtlCol="0" anchor="ctr"/>
           <a:lstStyle>
             <a:lvl1pPr algn="r">
-              <a:defRPr sz="432">
+              <a:defRPr sz="480">
                 <a:solidFill>
                   <a:schemeClr val="tx1">
                     <a:tint val="75000"/>
@@ -2655,27 +2655,27 @@
     </p:spTree>
     <p:extLst>
       <p:ext uri="{BB962C8B-B14F-4D97-AF65-F5344CB8AC3E}">
-        <p14:creationId xmlns:p14="http://schemas.microsoft.com/office/powerpoint/2010/main" val="3191570988"/>
+        <p14:creationId xmlns:p14="http://schemas.microsoft.com/office/powerpoint/2010/main" val="3029896254"/>
       </p:ext>
     </p:extLst>
   </p:cSld>
   <p:clrMap bg1="lt1" tx1="dk1" bg2="lt2" tx2="dk2" accent1="accent1" accent2="accent2" accent3="accent3" accent4="accent4" accent5="accent5" accent6="accent6" hlink="hlink" folHlink="folHlink"/>
   <p:sldLayoutIdLst>
-    <p:sldLayoutId id="2147483697" r:id="rId1"/>
-    <p:sldLayoutId id="2147483698" r:id="rId2"/>
-    <p:sldLayoutId id="2147483699" r:id="rId3"/>
-    <p:sldLayoutId id="2147483700" r:id="rId4"/>
-    <p:sldLayoutId id="2147483701" r:id="rId5"/>
-    <p:sldLayoutId id="2147483702" r:id="rId6"/>
-    <p:sldLayoutId id="2147483703" r:id="rId7"/>
-    <p:sldLayoutId id="2147483704" r:id="rId8"/>
-    <p:sldLayoutId id="2147483705" r:id="rId9"/>
-    <p:sldLayoutId id="2147483706" r:id="rId10"/>
-    <p:sldLayoutId id="2147483707" r:id="rId11"/>
+    <p:sldLayoutId id="2147483709" r:id="rId1"/>
+    <p:sldLayoutId id="2147483710" r:id="rId2"/>
+    <p:sldLayoutId id="2147483711" r:id="rId3"/>
+    <p:sldLayoutId id="2147483712" r:id="rId4"/>
+    <p:sldLayoutId id="2147483713" r:id="rId5"/>
+    <p:sldLayoutId id="2147483714" r:id="rId6"/>
+    <p:sldLayoutId id="2147483715" r:id="rId7"/>
+    <p:sldLayoutId id="2147483716" r:id="rId8"/>
+    <p:sldLayoutId id="2147483717" r:id="rId9"/>
+    <p:sldLayoutId id="2147483718" r:id="rId10"/>
+    <p:sldLayoutId id="2147483719" r:id="rId11"/>
   </p:sldLayoutIdLst>
   <p:txStyles>
     <p:titleStyle>
-      <a:lvl1pPr algn="l" defTabSz="329184" rtl="0" eaLnBrk="1" latinLnBrk="0" hangingPunct="1">
+      <a:lvl1pPr algn="l" defTabSz="365760" rtl="0" eaLnBrk="1" latinLnBrk="0" hangingPunct="1">
         <a:lnSpc>
           <a:spcPct val="90000"/>
         </a:lnSpc>
@@ -2683,7 +2683,7 @@
           <a:spcPct val="0"/>
         </a:spcBef>
         <a:buNone/>
-        <a:defRPr sz="1584" kern="1200">
+        <a:defRPr sz="1760" kern="1200">
           <a:solidFill>
             <a:schemeClr val="tx1"/>
           </a:solidFill>
@@ -2694,16 +2694,16 @@
       </a:lvl1pPr>
     </p:titleStyle>
     <p:bodyStyle>
-      <a:lvl1pPr marL="82296" indent="-82296" algn="l" defTabSz="329184" rtl="0" eaLnBrk="1" latinLnBrk="0" hangingPunct="1">
+      <a:lvl1pPr marL="91440" indent="-91440" algn="l" defTabSz="365760" rtl="0" eaLnBrk="1" latinLnBrk="0" hangingPunct="1">
         <a:lnSpc>
           <a:spcPct val="90000"/>
         </a:lnSpc>
         <a:spcBef>
-          <a:spcPts val="360"/>
+          <a:spcPts val="400"/>
         </a:spcBef>
         <a:buFont typeface="Arial" panose="020B0604020202020204" pitchFamily="34" charset="0"/>
         <a:buChar char="•"/>
-        <a:defRPr sz="1008" kern="1200">
+        <a:defRPr sz="1120" kern="1200">
           <a:solidFill>
             <a:schemeClr val="tx1"/>
           </a:solidFill>
@@ -2712,16 +2712,16 @@
           <a:cs typeface="+mn-cs"/>
         </a:defRPr>
       </a:lvl1pPr>
-      <a:lvl2pPr marL="246888" indent="-82296" algn="l" defTabSz="329184" rtl="0" eaLnBrk="1" latinLnBrk="0" hangingPunct="1">
+      <a:lvl2pPr marL="274320" indent="-91440" algn="l" defTabSz="365760" rtl="0" eaLnBrk="1" latinLnBrk="0" hangingPunct="1">
         <a:lnSpc>
           <a:spcPct val="90000"/>
         </a:lnSpc>
         <a:spcBef>
-          <a:spcPts val="180"/>
+          <a:spcPts val="200"/>
         </a:spcBef>
         <a:buFont typeface="Arial" panose="020B0604020202020204" pitchFamily="34" charset="0"/>
         <a:buChar char="•"/>
-        <a:defRPr sz="864" kern="1200">
+        <a:defRPr sz="960" kern="1200">
           <a:solidFill>
             <a:schemeClr val="tx1"/>
           </a:solidFill>
@@ -2730,12 +2730,30 @@
           <a:cs typeface="+mn-cs"/>
         </a:defRPr>
       </a:lvl2pPr>
-      <a:lvl3pPr marL="411480" indent="-82296" algn="l" defTabSz="329184" rtl="0" eaLnBrk="1" latinLnBrk="0" hangingPunct="1">
+      <a:lvl3pPr marL="457200" indent="-91440" algn="l" defTabSz="365760" rtl="0" eaLnBrk="1" latinLnBrk="0" hangingPunct="1">
         <a:lnSpc>
           <a:spcPct val="90000"/>
         </a:lnSpc>
         <a:spcBef>
-          <a:spcPts val="180"/>
+          <a:spcPts val="200"/>
+        </a:spcBef>
+        <a:buFont typeface="Arial" panose="020B0604020202020204" pitchFamily="34" charset="0"/>
+        <a:buChar char="•"/>
+        <a:defRPr sz="800" kern="1200">
+          <a:solidFill>
+            <a:schemeClr val="tx1"/>
+          </a:solidFill>
+          <a:latin typeface="+mn-lt"/>
+          <a:ea typeface="+mn-ea"/>
+          <a:cs typeface="+mn-cs"/>
+        </a:defRPr>
+      </a:lvl3pPr>
+      <a:lvl4pPr marL="640080" indent="-91440" algn="l" defTabSz="365760" rtl="0" eaLnBrk="1" latinLnBrk="0" hangingPunct="1">
+        <a:lnSpc>
+          <a:spcPct val="90000"/>
+        </a:lnSpc>
+        <a:spcBef>
+          <a:spcPts val="200"/>
         </a:spcBef>
         <a:buFont typeface="Arial" panose="020B0604020202020204" pitchFamily="34" charset="0"/>
         <a:buChar char="•"/>
@@ -2747,35 +2765,17 @@
           <a:ea typeface="+mn-ea"/>
           <a:cs typeface="+mn-cs"/>
         </a:defRPr>
-      </a:lvl3pPr>
-      <a:lvl4pPr marL="576072" indent="-82296" algn="l" defTabSz="329184" rtl="0" eaLnBrk="1" latinLnBrk="0" hangingPunct="1">
+      </a:lvl4pPr>
+      <a:lvl5pPr marL="822960" indent="-91440" algn="l" defTabSz="365760" rtl="0" eaLnBrk="1" latinLnBrk="0" hangingPunct="1">
         <a:lnSpc>
           <a:spcPct val="90000"/>
         </a:lnSpc>
         <a:spcBef>
-          <a:spcPts val="180"/>
+          <a:spcPts val="200"/>
         </a:spcBef>
         <a:buFont typeface="Arial" panose="020B0604020202020204" pitchFamily="34" charset="0"/>
         <a:buChar char="•"/>
-        <a:defRPr sz="648" kern="1200">
-          <a:solidFill>
-            <a:schemeClr val="tx1"/>
-          </a:solidFill>
-          <a:latin typeface="+mn-lt"/>
-          <a:ea typeface="+mn-ea"/>
-          <a:cs typeface="+mn-cs"/>
-        </a:defRPr>
-      </a:lvl4pPr>
-      <a:lvl5pPr marL="740664" indent="-82296" algn="l" defTabSz="329184" rtl="0" eaLnBrk="1" latinLnBrk="0" hangingPunct="1">
-        <a:lnSpc>
-          <a:spcPct val="90000"/>
-        </a:lnSpc>
-        <a:spcBef>
-          <a:spcPts val="180"/>
-        </a:spcBef>
-        <a:buFont typeface="Arial" panose="020B0604020202020204" pitchFamily="34" charset="0"/>
-        <a:buChar char="•"/>
-        <a:defRPr sz="648" kern="1200">
+        <a:defRPr sz="720" kern="1200">
           <a:solidFill>
             <a:schemeClr val="tx1"/>
           </a:solidFill>
@@ -2784,16 +2784,16 @@
           <a:cs typeface="+mn-cs"/>
         </a:defRPr>
       </a:lvl5pPr>
-      <a:lvl6pPr marL="905256" indent="-82296" algn="l" defTabSz="329184" rtl="0" eaLnBrk="1" latinLnBrk="0" hangingPunct="1">
+      <a:lvl6pPr marL="1005840" indent="-91440" algn="l" defTabSz="365760" rtl="0" eaLnBrk="1" latinLnBrk="0" hangingPunct="1">
         <a:lnSpc>
           <a:spcPct val="90000"/>
         </a:lnSpc>
         <a:spcBef>
-          <a:spcPts val="180"/>
+          <a:spcPts val="200"/>
         </a:spcBef>
         <a:buFont typeface="Arial" panose="020B0604020202020204" pitchFamily="34" charset="0"/>
         <a:buChar char="•"/>
-        <a:defRPr sz="648" kern="1200">
+        <a:defRPr sz="720" kern="1200">
           <a:solidFill>
             <a:schemeClr val="tx1"/>
           </a:solidFill>
@@ -2802,16 +2802,16 @@
           <a:cs typeface="+mn-cs"/>
         </a:defRPr>
       </a:lvl6pPr>
-      <a:lvl7pPr marL="1069848" indent="-82296" algn="l" defTabSz="329184" rtl="0" eaLnBrk="1" latinLnBrk="0" hangingPunct="1">
+      <a:lvl7pPr marL="1188720" indent="-91440" algn="l" defTabSz="365760" rtl="0" eaLnBrk="1" latinLnBrk="0" hangingPunct="1">
         <a:lnSpc>
           <a:spcPct val="90000"/>
         </a:lnSpc>
         <a:spcBef>
-          <a:spcPts val="180"/>
+          <a:spcPts val="200"/>
         </a:spcBef>
         <a:buFont typeface="Arial" panose="020B0604020202020204" pitchFamily="34" charset="0"/>
         <a:buChar char="•"/>
-        <a:defRPr sz="648" kern="1200">
+        <a:defRPr sz="720" kern="1200">
           <a:solidFill>
             <a:schemeClr val="tx1"/>
           </a:solidFill>
@@ -2820,16 +2820,16 @@
           <a:cs typeface="+mn-cs"/>
         </a:defRPr>
       </a:lvl7pPr>
-      <a:lvl8pPr marL="1234440" indent="-82296" algn="l" defTabSz="329184" rtl="0" eaLnBrk="1" latinLnBrk="0" hangingPunct="1">
+      <a:lvl8pPr marL="1371600" indent="-91440" algn="l" defTabSz="365760" rtl="0" eaLnBrk="1" latinLnBrk="0" hangingPunct="1">
         <a:lnSpc>
           <a:spcPct val="90000"/>
         </a:lnSpc>
         <a:spcBef>
-          <a:spcPts val="180"/>
+          <a:spcPts val="200"/>
         </a:spcBef>
         <a:buFont typeface="Arial" panose="020B0604020202020204" pitchFamily="34" charset="0"/>
         <a:buChar char="•"/>
-        <a:defRPr sz="648" kern="1200">
+        <a:defRPr sz="720" kern="1200">
           <a:solidFill>
             <a:schemeClr val="tx1"/>
           </a:solidFill>
@@ -2838,16 +2838,16 @@
           <a:cs typeface="+mn-cs"/>
         </a:defRPr>
       </a:lvl8pPr>
-      <a:lvl9pPr marL="1399032" indent="-82296" algn="l" defTabSz="329184" rtl="0" eaLnBrk="1" latinLnBrk="0" hangingPunct="1">
+      <a:lvl9pPr marL="1554480" indent="-91440" algn="l" defTabSz="365760" rtl="0" eaLnBrk="1" latinLnBrk="0" hangingPunct="1">
         <a:lnSpc>
           <a:spcPct val="90000"/>
         </a:lnSpc>
         <a:spcBef>
-          <a:spcPts val="180"/>
+          <a:spcPts val="200"/>
         </a:spcBef>
         <a:buFont typeface="Arial" panose="020B0604020202020204" pitchFamily="34" charset="0"/>
         <a:buChar char="•"/>
-        <a:defRPr sz="648" kern="1200">
+        <a:defRPr sz="720" kern="1200">
           <a:solidFill>
             <a:schemeClr val="tx1"/>
           </a:solidFill>
@@ -2861,8 +2861,8 @@
       <a:defPPr>
         <a:defRPr lang="en-US"/>
       </a:defPPr>
-      <a:lvl1pPr marL="0" algn="l" defTabSz="329184" rtl="0" eaLnBrk="1" latinLnBrk="0" hangingPunct="1">
-        <a:defRPr sz="648" kern="1200">
+      <a:lvl1pPr marL="0" algn="l" defTabSz="365760" rtl="0" eaLnBrk="1" latinLnBrk="0" hangingPunct="1">
+        <a:defRPr sz="720" kern="1200">
           <a:solidFill>
             <a:schemeClr val="tx1"/>
           </a:solidFill>
@@ -2871,8 +2871,8 @@
           <a:cs typeface="+mn-cs"/>
         </a:defRPr>
       </a:lvl1pPr>
-      <a:lvl2pPr marL="164592" algn="l" defTabSz="329184" rtl="0" eaLnBrk="1" latinLnBrk="0" hangingPunct="1">
-        <a:defRPr sz="648" kern="1200">
+      <a:lvl2pPr marL="182880" algn="l" defTabSz="365760" rtl="0" eaLnBrk="1" latinLnBrk="0" hangingPunct="1">
+        <a:defRPr sz="720" kern="1200">
           <a:solidFill>
             <a:schemeClr val="tx1"/>
           </a:solidFill>
@@ -2881,8 +2881,8 @@
           <a:cs typeface="+mn-cs"/>
         </a:defRPr>
       </a:lvl2pPr>
-      <a:lvl3pPr marL="329184" algn="l" defTabSz="329184" rtl="0" eaLnBrk="1" latinLnBrk="0" hangingPunct="1">
-        <a:defRPr sz="648" kern="1200">
+      <a:lvl3pPr marL="365760" algn="l" defTabSz="365760" rtl="0" eaLnBrk="1" latinLnBrk="0" hangingPunct="1">
+        <a:defRPr sz="720" kern="1200">
           <a:solidFill>
             <a:schemeClr val="tx1"/>
           </a:solidFill>
@@ -2891,8 +2891,8 @@
           <a:cs typeface="+mn-cs"/>
         </a:defRPr>
       </a:lvl3pPr>
-      <a:lvl4pPr marL="493776" algn="l" defTabSz="329184" rtl="0" eaLnBrk="1" latinLnBrk="0" hangingPunct="1">
-        <a:defRPr sz="648" kern="1200">
+      <a:lvl4pPr marL="548640" algn="l" defTabSz="365760" rtl="0" eaLnBrk="1" latinLnBrk="0" hangingPunct="1">
+        <a:defRPr sz="720" kern="1200">
           <a:solidFill>
             <a:schemeClr val="tx1"/>
           </a:solidFill>
@@ -2901,8 +2901,8 @@
           <a:cs typeface="+mn-cs"/>
         </a:defRPr>
       </a:lvl4pPr>
-      <a:lvl5pPr marL="658368" algn="l" defTabSz="329184" rtl="0" eaLnBrk="1" latinLnBrk="0" hangingPunct="1">
-        <a:defRPr sz="648" kern="1200">
+      <a:lvl5pPr marL="731520" algn="l" defTabSz="365760" rtl="0" eaLnBrk="1" latinLnBrk="0" hangingPunct="1">
+        <a:defRPr sz="720" kern="1200">
           <a:solidFill>
             <a:schemeClr val="tx1"/>
           </a:solidFill>
@@ -2911,8 +2911,8 @@
           <a:cs typeface="+mn-cs"/>
         </a:defRPr>
       </a:lvl5pPr>
-      <a:lvl6pPr marL="822960" algn="l" defTabSz="329184" rtl="0" eaLnBrk="1" latinLnBrk="0" hangingPunct="1">
-        <a:defRPr sz="648" kern="1200">
+      <a:lvl6pPr marL="914400" algn="l" defTabSz="365760" rtl="0" eaLnBrk="1" latinLnBrk="0" hangingPunct="1">
+        <a:defRPr sz="720" kern="1200">
           <a:solidFill>
             <a:schemeClr val="tx1"/>
           </a:solidFill>
@@ -2921,8 +2921,8 @@
           <a:cs typeface="+mn-cs"/>
         </a:defRPr>
       </a:lvl6pPr>
-      <a:lvl7pPr marL="987552" algn="l" defTabSz="329184" rtl="0" eaLnBrk="1" latinLnBrk="0" hangingPunct="1">
-        <a:defRPr sz="648" kern="1200">
+      <a:lvl7pPr marL="1097280" algn="l" defTabSz="365760" rtl="0" eaLnBrk="1" latinLnBrk="0" hangingPunct="1">
+        <a:defRPr sz="720" kern="1200">
           <a:solidFill>
             <a:schemeClr val="tx1"/>
           </a:solidFill>
@@ -2931,8 +2931,8 @@
           <a:cs typeface="+mn-cs"/>
         </a:defRPr>
       </a:lvl7pPr>
-      <a:lvl8pPr marL="1152144" algn="l" defTabSz="329184" rtl="0" eaLnBrk="1" latinLnBrk="0" hangingPunct="1">
-        <a:defRPr sz="648" kern="1200">
+      <a:lvl8pPr marL="1280160" algn="l" defTabSz="365760" rtl="0" eaLnBrk="1" latinLnBrk="0" hangingPunct="1">
+        <a:defRPr sz="720" kern="1200">
           <a:solidFill>
             <a:schemeClr val="tx1"/>
           </a:solidFill>
@@ -2941,8 +2941,8 @@
           <a:cs typeface="+mn-cs"/>
         </a:defRPr>
       </a:lvl8pPr>
-      <a:lvl9pPr marL="1316736" algn="l" defTabSz="329184" rtl="0" eaLnBrk="1" latinLnBrk="0" hangingPunct="1">
-        <a:defRPr sz="648" kern="1200">
+      <a:lvl9pPr marL="1463040" algn="l" defTabSz="365760" rtl="0" eaLnBrk="1" latinLnBrk="0" hangingPunct="1">
+        <a:defRPr sz="720" kern="1200">
           <a:solidFill>
             <a:schemeClr val="tx1"/>
           </a:solidFill>
@@ -2975,10 +2975,10 @@
       </p:grpSpPr>
       <p:pic>
         <p:nvPicPr>
-          <p:cNvPr id="4" name="Picture 3" descr="A close up of a logo&#10;&#10;Description automatically generated">
+          <p:cNvPr id="3" name="Picture 2" descr="A close up of a logo&#10;&#10;Description automatically generated">
             <a:extLst>
               <a:ext uri="{FF2B5EF4-FFF2-40B4-BE49-F238E27FC236}">
-                <a16:creationId xmlns:a16="http://schemas.microsoft.com/office/drawing/2014/main" id="{A4015A08-F873-410E-91B8-E84DA819AE43}"/>
+                <a16:creationId xmlns:a16="http://schemas.microsoft.com/office/drawing/2014/main" id="{97C1BE51-C36D-4D54-957F-3C1A407B0E20}"/>
               </a:ext>
             </a:extLst>
           </p:cNvPr>
@@ -3001,7 +3001,7 @@
         </p:blipFill>
         <p:spPr>
           <a:xfrm>
-            <a:off x="2413000" y="45830"/>
+            <a:off x="2109857" y="171644"/>
             <a:ext cx="10231120" cy="2571556"/>
           </a:xfrm>
           <a:prstGeom prst="rect">
